--- a/lectures/week4/lecture1/slides/week4_lecture1.pptx
+++ b/lectures/week4/lecture1/slides/week4_lecture1.pptx
@@ -2,7 +2,7 @@
 <file path=ppt/presentation.xml><?xml version="1.0" encoding="utf-8"?>
 <p:presentation xmlns:a="http://schemas.openxmlformats.org/drawingml/2006/main" xmlns:r="http://schemas.openxmlformats.org/officeDocument/2006/relationships" xmlns:p="http://schemas.openxmlformats.org/presentationml/2006/main" saveSubsetFonts="1">
   <p:sldMasterIdLst>
-    <p:sldMasterId id="2147483665" r:id="rId1"/>
+    <p:sldMasterId id="2147483670" r:id="rId1"/>
   </p:sldMasterIdLst>
   <p:sldIdLst>
     <p:sldId id="256" r:id="rId2"/>
@@ -298,7 +298,7 @@
       <inkml:brushProperty name="color" value="#7B8994"/>
     </inkml:brush>
   </inkml:definitions>
-  <inkml:trace contextRef="#ctx0" brushRef="#br0">0 2412 24575,'1'-2'0,"0"1"0,0-1 0,0 1 0,0 0 0,0-1 0,0 1 0,0 0 0,0 0 0,1 0 0,-1 0 0,0 0 0,1 0 0,-1 0 0,1 0 0,-1 1 0,1-1 0,-1 1 0,1-1 0,-1 1 0,1-1 0,-1 1 0,3 0 0,38-9 0,-5 6 0,0 1 0,0 2 0,0 1 0,44 8 0,148 36 0,-226-45 0,216 54 0,-87-19 0,2-6 0,158 14 0,151 5 0,-225-10 0,299 93 0,-397-97 0,19 12 0,159 75 0,-78-28 0,328 70 0,-175-61 0,-81-13 0,428 72 0,-435-133 0,-111-14 0,490 1 0,-433-17 0,-88 3 0,143-3 0,-147-11 0,0-6 0,266-73 0,-285 54 0,143-68 0,-230 92 0,306-160 0,-144 67 0,14-8 0,350-258 0,-115 27 0,-274 211 0,-41 33 0,488-352 0,-131 198 0,-218 131 0,345-177 0,-42 30 0,17 45 0,-541 210 0,226-73 0,329-64 0,-121 64 0,-366 70 0,186-7 0,117 23 0,-281 5 0,-43-1 0,212 6 0,-246-2 0,1 4 0,-1 1 0,59 20 0,208 82 0,-255-80 0,-1 3 0,93 60 0,422 256 0,-553-330 0,-1 1 0,-2 2 0,0 1 0,-1 1 0,-1 2 0,-2 1 0,-1 0 0,-1 2 0,-1 1 0,20 39 0,11 30 0,-5 2 0,41 121 0,-79-192 0,-2 1 0,-1 0 0,-2 0 0,-1 0 0,-1 1 0,-2 0 0,-2 36 0,0 307 0,0-376 0,0 0 0,0 0 0,0 0 0,0 0 0,0 0 0,0 0 0,0 1 0,0-1 0,0 0 0,0 0 0,0 0 0,0 0 0,0 0 0,0 1 0,0-1 0,0 0 0,0 0 0,0 0 0,0 0 0,0 0 0,0 0 0,0 1 0,0-1 0,0 0 0,-1 0 0,1 0 0,0 0 0,0 0 0,0 0 0,0 0 0,0 0 0,0 0 0,0 1 0,0-1 0,-1 0 0,1 0 0,0 0 0,0 0 0,0 0 0,0 0 0,0 0 0,0 0 0,-1 0 0,1 0 0,0 0 0,0 0 0,0 0 0,0 0 0,0 0 0,0 0 0,-1 0 0,1 0 0,0 0 0,0 0 0,0 0 0,0 0 0,0 0 0,0 0 0,-1 0 0,1 0 0,0-1 0,0 1 0,-12-11 0,-16-27 0,20 27 0,-17-22 0,-189-225 0,190 225 0,22 28 0,-1 0 0,0 1 0,-1-1 0,1 1 0,-1 0 0,0 0 0,0 0 0,0 0 0,0 1 0,-8-5 0,12 8 0,0 0 0,0 0 0,0 0 0,0 0 0,0 0 0,0 0 0,0 0 0,0-1 0,-1 1 0,1 0 0,0 0 0,0 0 0,0 0 0,0 0 0,0 0 0,0 0 0,0 0 0,0 0 0,-1 0 0,1 0 0,0 0 0,0 0 0,0 1 0,0-1 0,0 0 0,0 0 0,0 0 0,0 0 0,-1 0 0,1 0 0,0 0 0,0 0 0,0 0 0,0 0 0,0 0 0,0 0 0,0 0 0,0 0 0,0 1 0,0-1 0,0 0 0,0 0 0,0 0 0,0 0 0,0 0 0,0 0 0,-1 0 0,1 0 0,0 1 0,0-1 0,0 0 0,0 0 0,0 0 0,0 0 0,0 0 0,1 0 0,-1 0 0,0 0 0,0 1 0,0-1 0,0 0 0,0 0 0,0 0 0,0 0 0,4 13 0,9 12 0,8 3 0,60 72 0,-61-83 0,1 0 0,0-2 0,1 0 0,1-1 0,41 18 0,-58-29 0,-1 0 0,1 1 0,-1 0 0,0 0 0,0 0 0,0 1 0,-1-1 0,1 1 0,5 10 0,30 54 0,-24-39 0,-16-30 0,1 1 0,-1-1 0,1 1 0,0-1 0,-1 0 0,1 1 0,0-1 0,0 0 0,-1 0 0,1 1 0,0-1 0,-1 0 0,1 0 0,0 0 0,0 0 0,-1 0 0,1 0 0,0 0 0,0 0 0,-1 0 0,1-1 0,0 1 0,0 0 0,-1 0 0,1-1 0,0 1 0,-1 0 0,1-1 0,0 1 0,-1 0 0,1-1 0,-1 1 0,1-1 0,0 1 0,-1-1 0,1 0 0,-1 1 0,0-1 0,1 1 0,-1-1 0,1-1 0,28-31 0,-24 27 0,27-32 0,196-247 0,-218 274 34,-1 1-1,1 0 0,19-15 1,20-20-1533</inkml:trace>
+  <inkml:trace contextRef="#ctx0" brushRef="#br0">0 1981 24575,'1'-1'0,"0"0"0,0-1 0,0 1 0,0 0 0,0 0 0,0 0 0,0 0 0,0 0 0,1 1 0,-1-1 0,0 0 0,1 0 0,-1 0 0,1 0 0,-1 1 0,1 0 0,-1 0 0,1-1 0,-1 1 0,1-1 0,-1 1 0,3 0 0,37-7 0,-4 4 0,-1 1 0,1 2 0,-1 1 0,44 7 0,147 29 0,-224-37 0,213 44 0,-85-15 0,1-5 0,157 11 0,148 4 0,-221-8 0,295 77 0,-393-80 0,20 10 0,156 61 0,-76-22 0,323 56 0,-172-49 0,-81-11 0,424 60 0,-430-111 0,-110-10 0,484 0 0,-428-13 0,-87 1 0,142-1 0,-146-10 0,1-4 0,262-61 0,-281 45 0,140-56 0,-226 75 0,302-131 0,-142 55 0,13-6 0,347-212 0,-114 21 0,-271 175 0,-41 26 0,483-289 0,-130 163 0,-215 107 0,341-145 0,-42 25 0,17 36 0,-534 173 0,222-60 0,326-52 0,-119 52 0,-363 57 0,185-5 0,115 19 0,-278 4 0,-42-1 0,210 5 0,-244-2 0,1 4 0,0 0 0,57 17 0,206 67 0,-252-66 0,0 3 0,91 50 0,417 209 0,-547-271 0,0 2 0,-2 1 0,-1 0 0,0 2 0,-1 1 0,-3 1 0,0 0 0,-1 2 0,-2 0 0,21 33 0,10 24 0,-4 2 0,40 99 0,-78-158 0,-3 1 0,0 1 0,-2-1 0,-1 0 0,-1 1 0,-2 0 0,-2 30 0,0 252 0,0-309 0,0 0 0,0 0 0,0 0 0,0 0 0,0 0 0,0 0 0,0 1 0,0-1 0,0 0 0,0 0 0,0 0 0,0 0 0,0 0 0,0 1 0,0-1 0,0 0 0,0 0 0,0 0 0,0 0 0,0 0 0,0 0 0,0 0 0,0 0 0,0 0 0,-1 0 0,1 0 0,0 0 0,0 0 0,0 0 0,0 0 0,0 0 0,0 0 0,0 1 0,0-1 0,-1 0 0,1 0 0,0 0 0,0 0 0,0 0 0,0 0 0,0 0 0,0 0 0,-1 0 0,1 0 0,0 0 0,0 0 0,0 0 0,0 0 0,0 0 0,0 0 0,-1 0 0,1 0 0,0 0 0,0 0 0,0 0 0,0 0 0,0 0 0,0 0 0,-1 0 0,1 0 0,0-1 0,0 1 0,-12-9 0,-15-22 0,19 22 0,-17-18 0,-186-185 0,187 185 0,22 23 0,-1 0 0,0 1 0,-1-2 0,1 2 0,-1 0 0,0 0 0,0-1 0,0 1 0,0 1 0,-8-5 0,12 7 0,0 0 0,0 0 0,0 0 0,0 0 0,0 0 0,0 0 0,0 0 0,0-1 0,-1 1 0,1 0 0,0 0 0,0 0 0,0 0 0,0 0 0,0 0 0,0 0 0,0 0 0,0 0 0,-1 0 0,1 0 0,0 0 0,0 0 0,0 1 0,0-1 0,0 0 0,0 0 0,0 0 0,0 0 0,-1 0 0,1 0 0,0 0 0,0 0 0,0 0 0,0 0 0,0 0 0,0 0 0,0 0 0,0 0 0,0 1 0,0-1 0,0 0 0,0 0 0,0 0 0,0 0 0,0 0 0,0 0 0,0 0 0,0 0 0,0 1 0,0-1 0,0 0 0,0 0 0,0 0 0,0 0 0,0 0 0,0 0 0,0 0 0,0 0 0,0 0 0,0 0 0,0 0 0,0 0 0,0 0 0,0 0 0,4 11 0,9 10 0,8 2 0,59 59 0,-60-68 0,1 0 0,-1-2 0,2 0 0,1 0 0,40 14 0,-57-23 0,-1-1 0,1 1 0,-1 1 0,0-1 0,0 0 0,0 1 0,-1 0 0,1 0 0,4 8 0,31 45 0,-24-33 0,-16-24 0,1 1 0,-1-1 0,1 1 0,0-1 0,-1 0 0,1 1 0,0-1 0,0 0 0,-1 0 0,1 1 0,0-1 0,-1 0 0,1 0 0,0 0 0,0 0 0,-1 0 0,1 0 0,0 0 0,0 0 0,-1 0 0,1-1 0,0 1 0,0 0 0,-1 0 0,1-1 0,0 1 0,-1 0 0,1-1 0,0 1 0,-1 0 0,1-1 0,-1 1 0,1-1 0,-1 1 0,0 0 0,1-1 0,-1 1 0,0-1 0,1 1 0,-1-1 0,1 0 0,28-27 0,-24 24 0,27-28 0,193-202 0,-215 225 34,-1 1-1,1 0 0,18-13 1,21-16-1533</inkml:trace>
 </inkml:ink>
 </file>
 
@@ -338,7 +338,7 @@
           <p:cNvPr id="2" name="Title 1">
             <a:extLst>
               <a:ext uri="{FF2B5EF4-FFF2-40B4-BE49-F238E27FC236}">
-                <a16:creationId xmlns:a16="http://schemas.microsoft.com/office/drawing/2014/main" id="{8C70E9A4-6E61-4AF5-9711-A3D313611356}"/>
+                <a16:creationId xmlns:a16="http://schemas.microsoft.com/office/drawing/2014/main" id="{45F8F638-606D-A22E-8F9F-A4A6D858EDA6}"/>
               </a:ext>
             </a:extLst>
           </p:cNvPr>
@@ -351,17 +351,15 @@
         </p:nvSpPr>
         <p:spPr>
           <a:xfrm>
-            <a:off x="335947" y="2409479"/>
+            <a:off x="335947" y="3285779"/>
             <a:ext cx="11391065" cy="893580"/>
           </a:xfrm>
         </p:spPr>
         <p:txBody>
-          <a:bodyPr anchor="b">
-            <a:normAutofit/>
-          </a:bodyPr>
+          <a:bodyPr/>
           <a:lstStyle>
-            <a:lvl1pPr algn="l">
-              <a:defRPr sz="4800">
+            <a:lvl1pPr>
+              <a:defRPr>
                 <a:solidFill>
                   <a:srgbClr val="FFFFFF"/>
                 </a:solidFill>
@@ -373,7 +371,7 @@
               <a:rPr lang="en-US"/>
               <a:t>Click to edit Master title style</a:t>
             </a:r>
-            <a:endParaRPr lang="en-CA" dirty="0"/>
+            <a:endParaRPr lang="en-US" dirty="0"/>
           </a:p>
         </p:txBody>
       </p:sp>
@@ -382,7 +380,7 @@
           <p:cNvPr id="3" name="Subtitle 2">
             <a:extLst>
               <a:ext uri="{FF2B5EF4-FFF2-40B4-BE49-F238E27FC236}">
-                <a16:creationId xmlns:a16="http://schemas.microsoft.com/office/drawing/2014/main" id="{959B255B-D275-45F6-ACB5-BBD491BB4ADD}"/>
+                <a16:creationId xmlns:a16="http://schemas.microsoft.com/office/drawing/2014/main" id="{4EB4BAB1-A261-2102-CEA9-063F697A42AF}"/>
               </a:ext>
             </a:extLst>
           </p:cNvPr>
@@ -395,70 +393,35 @@
         </p:nvSpPr>
         <p:spPr>
           <a:xfrm>
-            <a:off x="335947" y="3848999"/>
+            <a:off x="335947" y="4553849"/>
             <a:ext cx="11391065" cy="1655762"/>
           </a:xfrm>
-          <a:prstGeom prst="rect">
-            <a:avLst/>
-          </a:prstGeom>
         </p:spPr>
         <p:txBody>
           <a:bodyPr/>
           <a:lstStyle>
-            <a:lvl1pPr marL="0" indent="0" algn="l">
+            <a:lvl1pPr marL="0" indent="0">
               <a:buNone/>
-              <a:defRPr sz="2400">
+              <a:defRPr>
                 <a:solidFill>
                   <a:srgbClr val="FFFFFF"/>
                 </a:solidFill>
               </a:defRPr>
             </a:lvl1pPr>
-            <a:lvl2pPr marL="457200" indent="0" algn="ctr">
-              <a:buNone/>
-              <a:defRPr sz="2000"/>
-            </a:lvl2pPr>
-            <a:lvl3pPr marL="914400" indent="0" algn="ctr">
-              <a:buNone/>
-              <a:defRPr sz="1800"/>
-            </a:lvl3pPr>
-            <a:lvl4pPr marL="1371600" indent="0" algn="ctr">
-              <a:buNone/>
-              <a:defRPr sz="1600"/>
-            </a:lvl4pPr>
-            <a:lvl5pPr marL="1828800" indent="0" algn="ctr">
-              <a:buNone/>
-              <a:defRPr sz="1600"/>
-            </a:lvl5pPr>
-            <a:lvl6pPr marL="2286000" indent="0" algn="ctr">
-              <a:buNone/>
-              <a:defRPr sz="1600"/>
-            </a:lvl6pPr>
-            <a:lvl7pPr marL="2743200" indent="0" algn="ctr">
-              <a:buNone/>
-              <a:defRPr sz="1600"/>
-            </a:lvl7pPr>
-            <a:lvl8pPr marL="3200400" indent="0" algn="ctr">
-              <a:buNone/>
-              <a:defRPr sz="1600"/>
-            </a:lvl8pPr>
-            <a:lvl9pPr marL="3657600" indent="0" algn="ctr">
-              <a:buNone/>
-              <a:defRPr sz="1600"/>
-            </a:lvl9pPr>
           </a:lstStyle>
           <a:p>
             <a:r>
               <a:rPr lang="en-US"/>
               <a:t>Click to edit Master subtitle style</a:t>
             </a:r>
-            <a:endParaRPr lang="en-CA"/>
+            <a:endParaRPr lang="en-US" dirty="0"/>
           </a:p>
         </p:txBody>
       </p:sp>
     </p:spTree>
     <p:extLst>
       <p:ext uri="{BB962C8B-B14F-4D97-AF65-F5344CB8AC3E}">
-        <p14:creationId xmlns:p14="http://schemas.microsoft.com/office/powerpoint/2010/main" val="1898934703"/>
+        <p14:creationId xmlns:p14="http://schemas.microsoft.com/office/powerpoint/2010/main" val="3723477576"/>
       </p:ext>
     </p:extLst>
   </p:cSld>
@@ -565,6 +528,9 @@
           <a:bodyPr/>
           <a:lstStyle>
             <a:lvl1pPr>
+              <a:buClr>
+                <a:schemeClr val="accent2"/>
+              </a:buClr>
               <a:defRPr>
                 <a:solidFill>
                   <a:srgbClr val="444445"/>
@@ -572,6 +538,9 @@
               </a:defRPr>
             </a:lvl1pPr>
             <a:lvl2pPr>
+              <a:buClr>
+                <a:schemeClr val="accent2"/>
+              </a:buClr>
               <a:defRPr>
                 <a:solidFill>
                   <a:srgbClr val="444445"/>
@@ -579,6 +548,9 @@
               </a:defRPr>
             </a:lvl2pPr>
             <a:lvl3pPr>
+              <a:buClr>
+                <a:schemeClr val="accent2"/>
+              </a:buClr>
               <a:defRPr>
                 <a:solidFill>
                   <a:srgbClr val="444445"/>
@@ -586,6 +558,9 @@
               </a:defRPr>
             </a:lvl3pPr>
             <a:lvl4pPr>
+              <a:buClr>
+                <a:schemeClr val="accent2"/>
+              </a:buClr>
               <a:defRPr>
                 <a:solidFill>
                   <a:srgbClr val="444445"/>
@@ -593,6 +568,9 @@
               </a:defRPr>
             </a:lvl4pPr>
             <a:lvl5pPr>
+              <a:buClr>
+                <a:schemeClr val="accent2"/>
+              </a:buClr>
               <a:defRPr>
                 <a:solidFill>
                   <a:srgbClr val="444445"/>
@@ -604,7 +582,7 @@
             <a:pPr lvl="0"/>
             <a:r>
               <a:rPr lang="en-US"/>
-              <a:t>Edit Master text styles</a:t>
+              <a:t>Click to edit Master text styles</a:t>
             </a:r>
           </a:p>
           <a:p>
@@ -634,14 +612,14 @@
               <a:rPr lang="en-US"/>
               <a:t>Fifth level</a:t>
             </a:r>
-            <a:endParaRPr lang="en-CA"/>
+            <a:endParaRPr lang="en-CA" dirty="0"/>
           </a:p>
         </p:txBody>
       </p:sp>
     </p:spTree>
     <p:extLst>
       <p:ext uri="{BB962C8B-B14F-4D97-AF65-F5344CB8AC3E}">
-        <p14:creationId xmlns:p14="http://schemas.microsoft.com/office/powerpoint/2010/main" val="3979519265"/>
+        <p14:creationId xmlns:p14="http://schemas.microsoft.com/office/powerpoint/2010/main" val="1823745940"/>
       </p:ext>
     </p:extLst>
   </p:cSld>
@@ -748,6 +726,9 @@
           <a:bodyPr/>
           <a:lstStyle>
             <a:lvl1pPr>
+              <a:buClr>
+                <a:schemeClr val="accent6"/>
+              </a:buClr>
               <a:defRPr>
                 <a:solidFill>
                   <a:srgbClr val="FFFFFF"/>
@@ -755,6 +736,9 @@
               </a:defRPr>
             </a:lvl1pPr>
             <a:lvl2pPr>
+              <a:buClr>
+                <a:schemeClr val="accent6"/>
+              </a:buClr>
               <a:defRPr>
                 <a:solidFill>
                   <a:srgbClr val="FFFFFF"/>
@@ -762,6 +746,9 @@
               </a:defRPr>
             </a:lvl2pPr>
             <a:lvl3pPr>
+              <a:buClr>
+                <a:schemeClr val="accent6"/>
+              </a:buClr>
               <a:defRPr>
                 <a:solidFill>
                   <a:srgbClr val="FFFFFF"/>
@@ -769,6 +756,9 @@
               </a:defRPr>
             </a:lvl3pPr>
             <a:lvl4pPr>
+              <a:buClr>
+                <a:schemeClr val="accent6"/>
+              </a:buClr>
               <a:defRPr>
                 <a:solidFill>
                   <a:srgbClr val="FFFFFF"/>
@@ -776,6 +766,9 @@
               </a:defRPr>
             </a:lvl4pPr>
             <a:lvl5pPr>
+              <a:buClr>
+                <a:schemeClr val="accent6"/>
+              </a:buClr>
               <a:defRPr>
                 <a:solidFill>
                   <a:srgbClr val="FFFFFF"/>
@@ -787,7 +780,7 @@
             <a:pPr lvl="0"/>
             <a:r>
               <a:rPr lang="en-US"/>
-              <a:t>Edit Master text styles</a:t>
+              <a:t>Click to edit Master text styles</a:t>
             </a:r>
           </a:p>
           <a:p>
@@ -824,7 +817,7 @@
     </p:spTree>
     <p:extLst>
       <p:ext uri="{BB962C8B-B14F-4D97-AF65-F5344CB8AC3E}">
-        <p14:creationId xmlns:p14="http://schemas.microsoft.com/office/powerpoint/2010/main" val="309569737"/>
+        <p14:creationId xmlns:p14="http://schemas.microsoft.com/office/powerpoint/2010/main" val="3301361207"/>
       </p:ext>
     </p:extLst>
   </p:cSld>
@@ -932,7 +925,7 @@
           <a:lstStyle>
             <a:lvl1pPr>
               <a:buClr>
-                <a:schemeClr val="tx1"/>
+                <a:schemeClr val="accent6"/>
               </a:buClr>
               <a:defRPr>
                 <a:solidFill>
@@ -942,7 +935,7 @@
             </a:lvl1pPr>
             <a:lvl2pPr>
               <a:buClr>
-                <a:schemeClr val="tx1"/>
+                <a:schemeClr val="accent6"/>
               </a:buClr>
               <a:defRPr>
                 <a:solidFill>
@@ -952,7 +945,7 @@
             </a:lvl2pPr>
             <a:lvl3pPr>
               <a:buClr>
-                <a:schemeClr val="tx1"/>
+                <a:schemeClr val="accent6"/>
               </a:buClr>
               <a:defRPr>
                 <a:solidFill>
@@ -962,7 +955,7 @@
             </a:lvl3pPr>
             <a:lvl4pPr>
               <a:buClr>
-                <a:schemeClr val="tx1"/>
+                <a:schemeClr val="accent6"/>
               </a:buClr>
               <a:defRPr>
                 <a:solidFill>
@@ -972,7 +965,7 @@
             </a:lvl4pPr>
             <a:lvl5pPr>
               <a:buClr>
-                <a:schemeClr val="tx1"/>
+                <a:schemeClr val="accent6"/>
               </a:buClr>
               <a:defRPr>
                 <a:solidFill>
@@ -985,7 +978,7 @@
             <a:pPr lvl="0"/>
             <a:r>
               <a:rPr lang="en-US"/>
-              <a:t>Edit Master text styles</a:t>
+              <a:t>Click to edit Master text styles</a:t>
             </a:r>
           </a:p>
           <a:p>
@@ -1022,7 +1015,7 @@
     </p:spTree>
     <p:extLst>
       <p:ext uri="{BB962C8B-B14F-4D97-AF65-F5344CB8AC3E}">
-        <p14:creationId xmlns:p14="http://schemas.microsoft.com/office/powerpoint/2010/main" val="4017234516"/>
+        <p14:creationId xmlns:p14="http://schemas.microsoft.com/office/powerpoint/2010/main" val="885789355"/>
       </p:ext>
     </p:extLst>
   </p:cSld>
@@ -1032,13 +1025,13 @@
 </p:sldLayout>
 </file>
 
-<file path=ppt/slideMasters/slideMaster1.xml><?xml version="1.0" encoding="utf-8"?>
-<p:sldMaster xmlns:a="http://schemas.openxmlformats.org/drawingml/2006/main" xmlns:r="http://schemas.openxmlformats.org/officeDocument/2006/relationships" xmlns:p="http://schemas.openxmlformats.org/presentationml/2006/main">
-  <p:cSld>
+<file path=ppt/slideLayouts/slideLayout5.xml><?xml version="1.0" encoding="utf-8"?>
+<p:sldLayout xmlns:a="http://schemas.openxmlformats.org/drawingml/2006/main" xmlns:r="http://schemas.openxmlformats.org/officeDocument/2006/relationships" xmlns:p="http://schemas.openxmlformats.org/presentationml/2006/main" type="obj" preserve="1">
+  <p:cSld name="4_Title and Content">
     <p:bg>
       <p:bgPr>
         <a:blipFill dpi="0" rotWithShape="1">
-          <a:blip r:embed="rId6">
+          <a:blip r:embed="rId2">
             <a:lum/>
           </a:blip>
           <a:srcRect/>
@@ -1065,10 +1058,10 @@
       </p:grpSpPr>
       <p:sp>
         <p:nvSpPr>
-          <p:cNvPr id="2" name="Title Placeholder 1">
-            <a:extLst>
-              <a:ext uri="{FF2B5EF4-FFF2-40B4-BE49-F238E27FC236}">
-                <a16:creationId xmlns:a16="http://schemas.microsoft.com/office/drawing/2014/main" id="{AD40C5A8-72D0-4B08-8FDA-49B8D1F97D4C}"/>
+          <p:cNvPr id="2" name="Title 1">
+            <a:extLst>
+              <a:ext uri="{FF2B5EF4-FFF2-40B4-BE49-F238E27FC236}">
+                <a16:creationId xmlns:a16="http://schemas.microsoft.com/office/drawing/2014/main" id="{0ECBFABF-0FF7-46A7-A3E7-B6C1EFC20E36}"/>
               </a:ext>
             </a:extLst>
           </p:cNvPr>
@@ -1079,6 +1072,600 @@
             <p:ph type="title"/>
           </p:nvPr>
         </p:nvSpPr>
+        <p:spPr/>
+        <p:txBody>
+          <a:bodyPr/>
+          <a:lstStyle>
+            <a:lvl1pPr>
+              <a:defRPr>
+                <a:solidFill>
+                  <a:srgbClr val="171717"/>
+                </a:solidFill>
+              </a:defRPr>
+            </a:lvl1pPr>
+          </a:lstStyle>
+          <a:p>
+            <a:r>
+              <a:rPr lang="en-US"/>
+              <a:t>Click to edit Master title style</a:t>
+            </a:r>
+            <a:endParaRPr lang="en-CA"/>
+          </a:p>
+        </p:txBody>
+      </p:sp>
+      <p:sp>
+        <p:nvSpPr>
+          <p:cNvPr id="3" name="Content Placeholder 2">
+            <a:extLst>
+              <a:ext uri="{FF2B5EF4-FFF2-40B4-BE49-F238E27FC236}">
+                <a16:creationId xmlns:a16="http://schemas.microsoft.com/office/drawing/2014/main" id="{85D1B3E0-28C0-49B4-B789-CFB199546EE9}"/>
+              </a:ext>
+            </a:extLst>
+          </p:cNvPr>
+          <p:cNvSpPr>
+            <a:spLocks noGrp="1"/>
+          </p:cNvSpPr>
+          <p:nvPr>
+            <p:ph idx="1"/>
+          </p:nvPr>
+        </p:nvSpPr>
+        <p:spPr>
+          <a:xfrm>
+            <a:off x="838200" y="1825624"/>
+            <a:ext cx="10515600" cy="4835479"/>
+          </a:xfrm>
+          <a:prstGeom prst="rect">
+            <a:avLst/>
+          </a:prstGeom>
+        </p:spPr>
+        <p:txBody>
+          <a:bodyPr/>
+          <a:lstStyle>
+            <a:lvl1pPr>
+              <a:buClr>
+                <a:schemeClr val="accent2"/>
+              </a:buClr>
+              <a:defRPr>
+                <a:solidFill>
+                  <a:srgbClr val="171717"/>
+                </a:solidFill>
+              </a:defRPr>
+            </a:lvl1pPr>
+            <a:lvl2pPr>
+              <a:buClr>
+                <a:schemeClr val="accent2"/>
+              </a:buClr>
+              <a:defRPr>
+                <a:solidFill>
+                  <a:srgbClr val="171717"/>
+                </a:solidFill>
+              </a:defRPr>
+            </a:lvl2pPr>
+            <a:lvl3pPr>
+              <a:buClr>
+                <a:schemeClr val="accent2"/>
+              </a:buClr>
+              <a:defRPr>
+                <a:solidFill>
+                  <a:srgbClr val="171717"/>
+                </a:solidFill>
+              </a:defRPr>
+            </a:lvl3pPr>
+            <a:lvl4pPr>
+              <a:buClr>
+                <a:schemeClr val="accent2"/>
+              </a:buClr>
+              <a:defRPr>
+                <a:solidFill>
+                  <a:srgbClr val="171717"/>
+                </a:solidFill>
+              </a:defRPr>
+            </a:lvl4pPr>
+            <a:lvl5pPr>
+              <a:buClr>
+                <a:schemeClr val="accent2"/>
+              </a:buClr>
+              <a:defRPr>
+                <a:solidFill>
+                  <a:srgbClr val="171717"/>
+                </a:solidFill>
+              </a:defRPr>
+            </a:lvl5pPr>
+          </a:lstStyle>
+          <a:p>
+            <a:pPr lvl="0"/>
+            <a:r>
+              <a:rPr lang="en-US"/>
+              <a:t>Click to edit Master text styles</a:t>
+            </a:r>
+          </a:p>
+          <a:p>
+            <a:pPr lvl="1"/>
+            <a:r>
+              <a:rPr lang="en-US"/>
+              <a:t>Second level</a:t>
+            </a:r>
+          </a:p>
+          <a:p>
+            <a:pPr lvl="2"/>
+            <a:r>
+              <a:rPr lang="en-US"/>
+              <a:t>Third level</a:t>
+            </a:r>
+          </a:p>
+          <a:p>
+            <a:pPr lvl="3"/>
+            <a:r>
+              <a:rPr lang="en-US"/>
+              <a:t>Fourth level</a:t>
+            </a:r>
+          </a:p>
+          <a:p>
+            <a:pPr lvl="4"/>
+            <a:r>
+              <a:rPr lang="en-US"/>
+              <a:t>Fifth level</a:t>
+            </a:r>
+            <a:endParaRPr lang="en-CA" dirty="0"/>
+          </a:p>
+        </p:txBody>
+      </p:sp>
+    </p:spTree>
+    <p:extLst>
+      <p:ext uri="{BB962C8B-B14F-4D97-AF65-F5344CB8AC3E}">
+        <p14:creationId xmlns:p14="http://schemas.microsoft.com/office/powerpoint/2010/main" val="785095029"/>
+      </p:ext>
+    </p:extLst>
+  </p:cSld>
+  <p:clrMapOvr>
+    <a:masterClrMapping/>
+  </p:clrMapOvr>
+</p:sldLayout>
+</file>
+
+<file path=ppt/slideLayouts/slideLayout6.xml><?xml version="1.0" encoding="utf-8"?>
+<p:sldLayout xmlns:a="http://schemas.openxmlformats.org/drawingml/2006/main" xmlns:r="http://schemas.openxmlformats.org/officeDocument/2006/relationships" xmlns:p="http://schemas.openxmlformats.org/presentationml/2006/main" type="obj" preserve="1">
+  <p:cSld name="5_Title and Content">
+    <p:bg>
+      <p:bgPr>
+        <a:blipFill dpi="0" rotWithShape="1">
+          <a:blip r:embed="rId2">
+            <a:lum/>
+          </a:blip>
+          <a:srcRect/>
+          <a:stretch>
+            <a:fillRect/>
+          </a:stretch>
+        </a:blipFill>
+        <a:effectLst/>
+      </p:bgPr>
+    </p:bg>
+    <p:spTree>
+      <p:nvGrpSpPr>
+        <p:cNvPr id="1" name=""/>
+        <p:cNvGrpSpPr/>
+        <p:nvPr/>
+      </p:nvGrpSpPr>
+      <p:grpSpPr>
+        <a:xfrm>
+          <a:off x="0" y="0"/>
+          <a:ext cx="0" cy="0"/>
+          <a:chOff x="0" y="0"/>
+          <a:chExt cx="0" cy="0"/>
+        </a:xfrm>
+      </p:grpSpPr>
+      <p:sp>
+        <p:nvSpPr>
+          <p:cNvPr id="2" name="Title 1">
+            <a:extLst>
+              <a:ext uri="{FF2B5EF4-FFF2-40B4-BE49-F238E27FC236}">
+                <a16:creationId xmlns:a16="http://schemas.microsoft.com/office/drawing/2014/main" id="{0ECBFABF-0FF7-46A7-A3E7-B6C1EFC20E36}"/>
+              </a:ext>
+            </a:extLst>
+          </p:cNvPr>
+          <p:cNvSpPr>
+            <a:spLocks noGrp="1"/>
+          </p:cNvSpPr>
+          <p:nvPr>
+            <p:ph type="title"/>
+          </p:nvPr>
+        </p:nvSpPr>
+        <p:spPr/>
+        <p:txBody>
+          <a:bodyPr/>
+          <a:lstStyle>
+            <a:lvl1pPr>
+              <a:defRPr>
+                <a:solidFill>
+                  <a:schemeClr val="tx1"/>
+                </a:solidFill>
+              </a:defRPr>
+            </a:lvl1pPr>
+          </a:lstStyle>
+          <a:p>
+            <a:r>
+              <a:rPr lang="en-US"/>
+              <a:t>Click to edit Master title style</a:t>
+            </a:r>
+            <a:endParaRPr lang="en-CA"/>
+          </a:p>
+        </p:txBody>
+      </p:sp>
+      <p:sp>
+        <p:nvSpPr>
+          <p:cNvPr id="3" name="Content Placeholder 2">
+            <a:extLst>
+              <a:ext uri="{FF2B5EF4-FFF2-40B4-BE49-F238E27FC236}">
+                <a16:creationId xmlns:a16="http://schemas.microsoft.com/office/drawing/2014/main" id="{85D1B3E0-28C0-49B4-B789-CFB199546EE9}"/>
+              </a:ext>
+            </a:extLst>
+          </p:cNvPr>
+          <p:cNvSpPr>
+            <a:spLocks noGrp="1"/>
+          </p:cNvSpPr>
+          <p:nvPr>
+            <p:ph idx="1"/>
+          </p:nvPr>
+        </p:nvSpPr>
+        <p:spPr>
+          <a:xfrm>
+            <a:off x="838200" y="1825624"/>
+            <a:ext cx="10515600" cy="4835479"/>
+          </a:xfrm>
+          <a:prstGeom prst="rect">
+            <a:avLst/>
+          </a:prstGeom>
+        </p:spPr>
+        <p:txBody>
+          <a:bodyPr/>
+          <a:lstStyle>
+            <a:lvl1pPr>
+              <a:buClr>
+                <a:schemeClr val="accent2"/>
+              </a:buClr>
+              <a:defRPr>
+                <a:solidFill>
+                  <a:schemeClr val="tx1"/>
+                </a:solidFill>
+              </a:defRPr>
+            </a:lvl1pPr>
+            <a:lvl2pPr>
+              <a:buClr>
+                <a:schemeClr val="accent2"/>
+              </a:buClr>
+              <a:defRPr>
+                <a:solidFill>
+                  <a:schemeClr val="tx1"/>
+                </a:solidFill>
+              </a:defRPr>
+            </a:lvl2pPr>
+            <a:lvl3pPr>
+              <a:buClr>
+                <a:schemeClr val="accent2"/>
+              </a:buClr>
+              <a:defRPr>
+                <a:solidFill>
+                  <a:schemeClr val="tx1"/>
+                </a:solidFill>
+              </a:defRPr>
+            </a:lvl3pPr>
+            <a:lvl4pPr>
+              <a:buClr>
+                <a:schemeClr val="accent2"/>
+              </a:buClr>
+              <a:defRPr>
+                <a:solidFill>
+                  <a:schemeClr val="tx1"/>
+                </a:solidFill>
+              </a:defRPr>
+            </a:lvl4pPr>
+            <a:lvl5pPr>
+              <a:buClr>
+                <a:schemeClr val="accent2"/>
+              </a:buClr>
+              <a:defRPr>
+                <a:solidFill>
+                  <a:schemeClr val="tx1"/>
+                </a:solidFill>
+              </a:defRPr>
+            </a:lvl5pPr>
+          </a:lstStyle>
+          <a:p>
+            <a:pPr lvl="0"/>
+            <a:r>
+              <a:rPr lang="en-US"/>
+              <a:t>Click to edit Master text styles</a:t>
+            </a:r>
+          </a:p>
+          <a:p>
+            <a:pPr lvl="1"/>
+            <a:r>
+              <a:rPr lang="en-US"/>
+              <a:t>Second level</a:t>
+            </a:r>
+          </a:p>
+          <a:p>
+            <a:pPr lvl="2"/>
+            <a:r>
+              <a:rPr lang="en-US"/>
+              <a:t>Third level</a:t>
+            </a:r>
+          </a:p>
+          <a:p>
+            <a:pPr lvl="3"/>
+            <a:r>
+              <a:rPr lang="en-US"/>
+              <a:t>Fourth level</a:t>
+            </a:r>
+          </a:p>
+          <a:p>
+            <a:pPr lvl="4"/>
+            <a:r>
+              <a:rPr lang="en-US"/>
+              <a:t>Fifth level</a:t>
+            </a:r>
+            <a:endParaRPr lang="en-CA" dirty="0"/>
+          </a:p>
+        </p:txBody>
+      </p:sp>
+    </p:spTree>
+    <p:extLst>
+      <p:ext uri="{BB962C8B-B14F-4D97-AF65-F5344CB8AC3E}">
+        <p14:creationId xmlns:p14="http://schemas.microsoft.com/office/powerpoint/2010/main" val="489274552"/>
+      </p:ext>
+    </p:extLst>
+  </p:cSld>
+  <p:clrMapOvr>
+    <a:masterClrMapping/>
+  </p:clrMapOvr>
+</p:sldLayout>
+</file>
+
+<file path=ppt/slideLayouts/slideLayout7.xml><?xml version="1.0" encoding="utf-8"?>
+<p:sldLayout xmlns:a="http://schemas.openxmlformats.org/drawingml/2006/main" xmlns:r="http://schemas.openxmlformats.org/officeDocument/2006/relationships" xmlns:p="http://schemas.openxmlformats.org/presentationml/2006/main" type="obj" preserve="1">
+  <p:cSld name="6_Title and Content">
+    <p:bg>
+      <p:bgPr>
+        <a:blipFill dpi="0" rotWithShape="1">
+          <a:blip r:embed="rId2">
+            <a:lum/>
+          </a:blip>
+          <a:srcRect/>
+          <a:stretch>
+            <a:fillRect/>
+          </a:stretch>
+        </a:blipFill>
+        <a:effectLst/>
+      </p:bgPr>
+    </p:bg>
+    <p:spTree>
+      <p:nvGrpSpPr>
+        <p:cNvPr id="1" name=""/>
+        <p:cNvGrpSpPr/>
+        <p:nvPr/>
+      </p:nvGrpSpPr>
+      <p:grpSpPr>
+        <a:xfrm>
+          <a:off x="0" y="0"/>
+          <a:ext cx="0" cy="0"/>
+          <a:chOff x="0" y="0"/>
+          <a:chExt cx="0" cy="0"/>
+        </a:xfrm>
+      </p:grpSpPr>
+      <p:sp>
+        <p:nvSpPr>
+          <p:cNvPr id="2" name="Title 1">
+            <a:extLst>
+              <a:ext uri="{FF2B5EF4-FFF2-40B4-BE49-F238E27FC236}">
+                <a16:creationId xmlns:a16="http://schemas.microsoft.com/office/drawing/2014/main" id="{0ECBFABF-0FF7-46A7-A3E7-B6C1EFC20E36}"/>
+              </a:ext>
+            </a:extLst>
+          </p:cNvPr>
+          <p:cNvSpPr>
+            <a:spLocks noGrp="1"/>
+          </p:cNvSpPr>
+          <p:nvPr>
+            <p:ph type="title"/>
+          </p:nvPr>
+        </p:nvSpPr>
+        <p:spPr/>
+        <p:txBody>
+          <a:bodyPr/>
+          <a:lstStyle>
+            <a:lvl1pPr>
+              <a:defRPr>
+                <a:solidFill>
+                  <a:srgbClr val="FFFFFF"/>
+                </a:solidFill>
+              </a:defRPr>
+            </a:lvl1pPr>
+          </a:lstStyle>
+          <a:p>
+            <a:r>
+              <a:rPr lang="en-US"/>
+              <a:t>Click to edit Master title style</a:t>
+            </a:r>
+            <a:endParaRPr lang="en-CA"/>
+          </a:p>
+        </p:txBody>
+      </p:sp>
+      <p:sp>
+        <p:nvSpPr>
+          <p:cNvPr id="3" name="Content Placeholder 2">
+            <a:extLst>
+              <a:ext uri="{FF2B5EF4-FFF2-40B4-BE49-F238E27FC236}">
+                <a16:creationId xmlns:a16="http://schemas.microsoft.com/office/drawing/2014/main" id="{85D1B3E0-28C0-49B4-B789-CFB199546EE9}"/>
+              </a:ext>
+            </a:extLst>
+          </p:cNvPr>
+          <p:cNvSpPr>
+            <a:spLocks noGrp="1"/>
+          </p:cNvSpPr>
+          <p:nvPr>
+            <p:ph idx="1"/>
+          </p:nvPr>
+        </p:nvSpPr>
+        <p:spPr>
+          <a:xfrm>
+            <a:off x="838200" y="1825624"/>
+            <a:ext cx="10515600" cy="4835479"/>
+          </a:xfrm>
+          <a:prstGeom prst="rect">
+            <a:avLst/>
+          </a:prstGeom>
+        </p:spPr>
+        <p:txBody>
+          <a:bodyPr/>
+          <a:lstStyle>
+            <a:lvl1pPr>
+              <a:buClr>
+                <a:schemeClr val="accent2"/>
+              </a:buClr>
+              <a:defRPr>
+                <a:solidFill>
+                  <a:srgbClr val="FFFFFF"/>
+                </a:solidFill>
+              </a:defRPr>
+            </a:lvl1pPr>
+            <a:lvl2pPr>
+              <a:buClr>
+                <a:schemeClr val="accent2"/>
+              </a:buClr>
+              <a:defRPr>
+                <a:solidFill>
+                  <a:srgbClr val="FFFFFF"/>
+                </a:solidFill>
+              </a:defRPr>
+            </a:lvl2pPr>
+            <a:lvl3pPr>
+              <a:buClr>
+                <a:schemeClr val="accent2"/>
+              </a:buClr>
+              <a:defRPr>
+                <a:solidFill>
+                  <a:srgbClr val="FFFFFF"/>
+                </a:solidFill>
+              </a:defRPr>
+            </a:lvl3pPr>
+            <a:lvl4pPr>
+              <a:buClr>
+                <a:schemeClr val="accent2"/>
+              </a:buClr>
+              <a:defRPr>
+                <a:solidFill>
+                  <a:srgbClr val="FFFFFF"/>
+                </a:solidFill>
+              </a:defRPr>
+            </a:lvl4pPr>
+            <a:lvl5pPr>
+              <a:buClr>
+                <a:schemeClr val="accent2"/>
+              </a:buClr>
+              <a:defRPr>
+                <a:solidFill>
+                  <a:srgbClr val="FFFFFF"/>
+                </a:solidFill>
+              </a:defRPr>
+            </a:lvl5pPr>
+          </a:lstStyle>
+          <a:p>
+            <a:pPr lvl="0"/>
+            <a:r>
+              <a:rPr lang="en-US"/>
+              <a:t>Click to edit Master text styles</a:t>
+            </a:r>
+          </a:p>
+          <a:p>
+            <a:pPr lvl="1"/>
+            <a:r>
+              <a:rPr lang="en-US"/>
+              <a:t>Second level</a:t>
+            </a:r>
+          </a:p>
+          <a:p>
+            <a:pPr lvl="2"/>
+            <a:r>
+              <a:rPr lang="en-US"/>
+              <a:t>Third level</a:t>
+            </a:r>
+          </a:p>
+          <a:p>
+            <a:pPr lvl="3"/>
+            <a:r>
+              <a:rPr lang="en-US"/>
+              <a:t>Fourth level</a:t>
+            </a:r>
+          </a:p>
+          <a:p>
+            <a:pPr lvl="4"/>
+            <a:r>
+              <a:rPr lang="en-US"/>
+              <a:t>Fifth level</a:t>
+            </a:r>
+            <a:endParaRPr lang="en-CA" dirty="0"/>
+          </a:p>
+        </p:txBody>
+      </p:sp>
+    </p:spTree>
+    <p:extLst>
+      <p:ext uri="{BB962C8B-B14F-4D97-AF65-F5344CB8AC3E}">
+        <p14:creationId xmlns:p14="http://schemas.microsoft.com/office/powerpoint/2010/main" val="872499281"/>
+      </p:ext>
+    </p:extLst>
+  </p:cSld>
+  <p:clrMapOvr>
+    <a:masterClrMapping/>
+  </p:clrMapOvr>
+</p:sldLayout>
+</file>
+
+<file path=ppt/slideMasters/slideMaster1.xml><?xml version="1.0" encoding="utf-8"?>
+<p:sldMaster xmlns:a="http://schemas.openxmlformats.org/drawingml/2006/main" xmlns:r="http://schemas.openxmlformats.org/officeDocument/2006/relationships" xmlns:p="http://schemas.openxmlformats.org/presentationml/2006/main">
+  <p:cSld>
+    <p:bg>
+      <p:bgPr>
+        <a:blipFill dpi="0" rotWithShape="1">
+          <a:blip r:embed="rId9">
+            <a:lum/>
+          </a:blip>
+          <a:srcRect/>
+          <a:stretch>
+            <a:fillRect/>
+          </a:stretch>
+        </a:blipFill>
+        <a:effectLst/>
+      </p:bgPr>
+    </p:bg>
+    <p:spTree>
+      <p:nvGrpSpPr>
+        <p:cNvPr id="1" name=""/>
+        <p:cNvGrpSpPr/>
+        <p:nvPr/>
+      </p:nvGrpSpPr>
+      <p:grpSpPr>
+        <a:xfrm>
+          <a:off x="0" y="0"/>
+          <a:ext cx="0" cy="0"/>
+          <a:chOff x="0" y="0"/>
+          <a:chExt cx="0" cy="0"/>
+        </a:xfrm>
+      </p:grpSpPr>
+      <p:sp>
+        <p:nvSpPr>
+          <p:cNvPr id="2" name="Title Placeholder 1">
+            <a:extLst>
+              <a:ext uri="{FF2B5EF4-FFF2-40B4-BE49-F238E27FC236}">
+                <a16:creationId xmlns:a16="http://schemas.microsoft.com/office/drawing/2014/main" id="{AD40C5A8-72D0-4B08-8FDA-49B8D1F97D4C}"/>
+              </a:ext>
+            </a:extLst>
+          </p:cNvPr>
+          <p:cNvSpPr>
+            <a:spLocks noGrp="1"/>
+          </p:cNvSpPr>
+          <p:nvPr>
+            <p:ph type="title"/>
+          </p:nvPr>
+        </p:nvSpPr>
         <p:spPr>
           <a:xfrm>
             <a:off x="838200" y="727514"/>
@@ -1136,7 +1723,7 @@
             <a:pPr lvl="0"/>
             <a:r>
               <a:rPr lang="en-US"/>
-              <a:t>Edit Master text styles</a:t>
+              <a:t>Click to edit Master text styles</a:t>
             </a:r>
           </a:p>
           <a:p>
@@ -1173,16 +1760,19 @@
     </p:spTree>
     <p:extLst>
       <p:ext uri="{BB962C8B-B14F-4D97-AF65-F5344CB8AC3E}">
-        <p14:creationId xmlns:p14="http://schemas.microsoft.com/office/powerpoint/2010/main" val="2325685743"/>
+        <p14:creationId xmlns:p14="http://schemas.microsoft.com/office/powerpoint/2010/main" val="3109436345"/>
       </p:ext>
     </p:extLst>
   </p:cSld>
   <p:clrMap bg1="lt1" tx1="dk1" bg2="lt2" tx2="dk2" accent1="accent1" accent2="accent2" accent3="accent3" accent4="accent4" accent5="accent5" accent6="accent6" hlink="hlink" folHlink="folHlink"/>
   <p:sldLayoutIdLst>
-    <p:sldLayoutId id="2147483666" r:id="rId1"/>
-    <p:sldLayoutId id="2147483667" r:id="rId2"/>
-    <p:sldLayoutId id="2147483668" r:id="rId3"/>
-    <p:sldLayoutId id="2147483669" r:id="rId4"/>
+    <p:sldLayoutId id="2147483671" r:id="rId1"/>
+    <p:sldLayoutId id="2147483672" r:id="rId2"/>
+    <p:sldLayoutId id="2147483673" r:id="rId3"/>
+    <p:sldLayoutId id="2147483674" r:id="rId4"/>
+    <p:sldLayoutId id="2147483675" r:id="rId5"/>
+    <p:sldLayoutId id="2147483676" r:id="rId6"/>
+    <p:sldLayoutId id="2147483677" r:id="rId7"/>
   </p:sldLayoutIdLst>
   <p:txStyles>
     <p:titleStyle>
@@ -1633,6 +2223,193 @@
           </a:p>
         </p:txBody>
       </p:sp>
+      <p:sp>
+        <p:nvSpPr>
+          <p:cNvPr id="4" name="TextBox 3">
+            <a:extLst>
+              <a:ext uri="{FF2B5EF4-FFF2-40B4-BE49-F238E27FC236}">
+                <a16:creationId xmlns:a16="http://schemas.microsoft.com/office/drawing/2014/main" id="{E1486C8E-1196-14CE-6427-6AACBEEFA733}"/>
+              </a:ext>
+            </a:extLst>
+          </p:cNvPr>
+          <p:cNvSpPr txBox="1"/>
+          <p:nvPr/>
+        </p:nvSpPr>
+        <p:spPr>
+          <a:xfrm>
+            <a:off x="335947" y="5102715"/>
+            <a:ext cx="6619392" cy="1569660"/>
+          </a:xfrm>
+          <a:prstGeom prst="rect">
+            <a:avLst/>
+          </a:prstGeom>
+          <a:noFill/>
+        </p:spPr>
+        <p:txBody>
+          <a:bodyPr wrap="square" rtlCol="0">
+            <a:spAutoFit/>
+          </a:bodyPr>
+          <a:lstStyle/>
+          <a:p>
+            <a:r>
+              <a:rPr lang="en-US" sz="1600" b="1" dirty="0">
+                <a:solidFill>
+                  <a:srgbClr val="CC99FF"/>
+                </a:solidFill>
+              </a:rPr>
+              <a:t>Upcoming</a:t>
+            </a:r>
+          </a:p>
+          <a:p>
+            <a:pPr marL="285750" indent="-285750">
+              <a:buClr>
+                <a:srgbClr val="CC99FF"/>
+              </a:buClr>
+              <a:buFont typeface="Wingdings" panose="05000000000000000000" pitchFamily="2" charset="2"/>
+              <a:buChar char="§"/>
+            </a:pPr>
+            <a:r>
+              <a:rPr lang="en-US" sz="1600" dirty="0">
+                <a:solidFill>
+                  <a:srgbClr val="66FF99"/>
+                </a:solidFill>
+              </a:rPr>
+              <a:t>Lab 2 Due 11:59 pm Friday</a:t>
+            </a:r>
+            <a:r>
+              <a:rPr lang="en-US" sz="1600" dirty="0">
+                <a:solidFill>
+                  <a:srgbClr val="CC99FF"/>
+                </a:solidFill>
+              </a:rPr>
+              <a:t>.</a:t>
+            </a:r>
+            <a:endParaRPr lang="en-US" sz="1600" dirty="0">
+              <a:solidFill>
+                <a:srgbClr val="66FF99"/>
+              </a:solidFill>
+            </a:endParaRPr>
+          </a:p>
+          <a:p>
+            <a:pPr marL="285750" indent="-285750">
+              <a:buClr>
+                <a:srgbClr val="CC99FF"/>
+              </a:buClr>
+              <a:buFont typeface="Wingdings" panose="05000000000000000000" pitchFamily="2" charset="2"/>
+              <a:buChar char="§"/>
+            </a:pPr>
+            <a:r>
+              <a:rPr lang="en-US" sz="1600" dirty="0">
+                <a:solidFill>
+                  <a:srgbClr val="66FF99"/>
+                </a:solidFill>
+              </a:rPr>
+              <a:t>No new lab released this Thursday</a:t>
+            </a:r>
+            <a:r>
+              <a:rPr lang="en-US" sz="1600" dirty="0">
+                <a:solidFill>
+                  <a:srgbClr val="CC99FF"/>
+                </a:solidFill>
+              </a:rPr>
+              <a:t>.</a:t>
+            </a:r>
+            <a:endParaRPr lang="en-US" sz="1600" dirty="0">
+              <a:solidFill>
+                <a:srgbClr val="66FF99"/>
+              </a:solidFill>
+            </a:endParaRPr>
+          </a:p>
+          <a:p>
+            <a:pPr marL="285750" indent="-285750">
+              <a:buClr>
+                <a:srgbClr val="CC99FF"/>
+              </a:buClr>
+              <a:buFont typeface="Wingdings" panose="05000000000000000000" pitchFamily="2" charset="2"/>
+              <a:buChar char="§"/>
+            </a:pPr>
+            <a:r>
+              <a:rPr lang="en-US" sz="1600" dirty="0">
+                <a:solidFill>
+                  <a:srgbClr val="66FF99"/>
+                </a:solidFill>
+              </a:rPr>
+              <a:t>Reflection 4 Released Friday 6:00 pm</a:t>
+            </a:r>
+            <a:r>
+              <a:rPr lang="en-US" sz="1600" dirty="0">
+                <a:solidFill>
+                  <a:srgbClr val="CC99FF"/>
+                </a:solidFill>
+              </a:rPr>
+              <a:t>.</a:t>
+            </a:r>
+            <a:endParaRPr lang="en-US" sz="1600" dirty="0">
+              <a:solidFill>
+                <a:srgbClr val="66FF99"/>
+              </a:solidFill>
+            </a:endParaRPr>
+          </a:p>
+          <a:p>
+            <a:pPr marL="285750" indent="-285750">
+              <a:buClr>
+                <a:srgbClr val="CC99FF"/>
+              </a:buClr>
+              <a:buFont typeface="Wingdings" panose="05000000000000000000" pitchFamily="2" charset="2"/>
+              <a:buChar char="§"/>
+            </a:pPr>
+            <a:r>
+              <a:rPr lang="en-US" sz="1600" dirty="0">
+                <a:solidFill>
+                  <a:srgbClr val="66FF99"/>
+                </a:solidFill>
+              </a:rPr>
+              <a:t>Tutorial (Online), Practical, Office Hour sessions running all week</a:t>
+            </a:r>
+            <a:r>
+              <a:rPr lang="en-US" sz="1600" dirty="0">
+                <a:solidFill>
+                  <a:srgbClr val="CC99FF"/>
+                </a:solidFill>
+              </a:rPr>
+              <a:t>.</a:t>
+            </a:r>
+          </a:p>
+          <a:p>
+            <a:pPr marL="285750" indent="-285750">
+              <a:buClr>
+                <a:srgbClr val="CC99FF"/>
+              </a:buClr>
+              <a:buFont typeface="Wingdings" panose="05000000000000000000" pitchFamily="2" charset="2"/>
+              <a:buChar char="§"/>
+            </a:pPr>
+            <a:r>
+              <a:rPr lang="en-US" sz="1600" b="1" dirty="0">
+                <a:solidFill>
+                  <a:srgbClr val="CC99FF"/>
+                </a:solidFill>
+              </a:rPr>
+              <a:t>Term Test 1 </a:t>
+            </a:r>
+            <a:r>
+              <a:rPr lang="en-US" sz="1600" dirty="0">
+                <a:solidFill>
+                  <a:srgbClr val="66FF99"/>
+                </a:solidFill>
+              </a:rPr>
+              <a:t>next week</a:t>
+            </a:r>
+            <a:r>
+              <a:rPr lang="en-US" sz="1600" dirty="0">
+                <a:solidFill>
+                  <a:srgbClr val="CC99FF"/>
+                </a:solidFill>
+              </a:rPr>
+              <a:t>.</a:t>
+            </a:r>
+          </a:p>
+        </p:txBody>
+      </p:sp>
     </p:spTree>
     <p:extLst>
       <p:ext uri="{BB962C8B-B14F-4D97-AF65-F5344CB8AC3E}">
@@ -2499,6 +3276,48 @@
           </a:p>
         </p:txBody>
       </p:sp>
+      <p:sp>
+        <p:nvSpPr>
+          <p:cNvPr id="12" name="TextBox 11">
+            <a:extLst>
+              <a:ext uri="{FF2B5EF4-FFF2-40B4-BE49-F238E27FC236}">
+                <a16:creationId xmlns:a16="http://schemas.microsoft.com/office/drawing/2014/main" id="{9C3C50F9-0336-7455-3295-19AB3E8F10B9}"/>
+              </a:ext>
+            </a:extLst>
+          </p:cNvPr>
+          <p:cNvSpPr txBox="1"/>
+          <p:nvPr/>
+        </p:nvSpPr>
+        <p:spPr>
+          <a:xfrm>
+            <a:off x="9566955" y="4865753"/>
+            <a:ext cx="1011815" cy="369332"/>
+          </a:xfrm>
+          <a:prstGeom prst="rect">
+            <a:avLst/>
+          </a:prstGeom>
+          <a:noFill/>
+        </p:spPr>
+        <p:txBody>
+          <a:bodyPr wrap="none" rtlCol="0">
+            <a:spAutoFit/>
+          </a:bodyPr>
+          <a:lstStyle/>
+          <a:p>
+            <a:pPr algn="ctr"/>
+            <a:r>
+              <a:rPr lang="en-US" b="1" dirty="0">
+                <a:solidFill>
+                  <a:srgbClr val="00FF00"/>
+                </a:solidFill>
+                <a:latin typeface="Courier New" panose="02070309020205020404" pitchFamily="49" charset="0"/>
+                <a:cs typeface="Courier New" panose="02070309020205020404" pitchFamily="49" charset="0"/>
+              </a:rPr>
+              <a:t>return</a:t>
+            </a:r>
+          </a:p>
+        </p:txBody>
+      </p:sp>
     </p:spTree>
     <p:extLst>
       <p:ext uri="{BB962C8B-B14F-4D97-AF65-F5344CB8AC3E}">
@@ -3365,6 +4184,48 @@
           </a:p>
         </p:txBody>
       </p:sp>
+      <p:sp>
+        <p:nvSpPr>
+          <p:cNvPr id="11" name="TextBox 10">
+            <a:extLst>
+              <a:ext uri="{FF2B5EF4-FFF2-40B4-BE49-F238E27FC236}">
+                <a16:creationId xmlns:a16="http://schemas.microsoft.com/office/drawing/2014/main" id="{F6F573D1-8D7F-D927-AA41-4529DF76AB45}"/>
+              </a:ext>
+            </a:extLst>
+          </p:cNvPr>
+          <p:cNvSpPr txBox="1"/>
+          <p:nvPr/>
+        </p:nvSpPr>
+        <p:spPr>
+          <a:xfrm>
+            <a:off x="9566955" y="4865753"/>
+            <a:ext cx="1011815" cy="369332"/>
+          </a:xfrm>
+          <a:prstGeom prst="rect">
+            <a:avLst/>
+          </a:prstGeom>
+          <a:noFill/>
+        </p:spPr>
+        <p:txBody>
+          <a:bodyPr wrap="none" rtlCol="0">
+            <a:spAutoFit/>
+          </a:bodyPr>
+          <a:lstStyle/>
+          <a:p>
+            <a:pPr algn="ctr"/>
+            <a:r>
+              <a:rPr lang="en-US" b="1" dirty="0">
+                <a:solidFill>
+                  <a:srgbClr val="00FF00"/>
+                </a:solidFill>
+                <a:latin typeface="Courier New" panose="02070309020205020404" pitchFamily="49" charset="0"/>
+                <a:cs typeface="Courier New" panose="02070309020205020404" pitchFamily="49" charset="0"/>
+              </a:rPr>
+              <a:t>return</a:t>
+            </a:r>
+          </a:p>
+        </p:txBody>
+      </p:sp>
     </p:spTree>
     <p:extLst>
       <p:ext uri="{BB962C8B-B14F-4D97-AF65-F5344CB8AC3E}">
@@ -4231,6 +5092,48 @@
           </a:p>
         </p:txBody>
       </p:sp>
+      <p:sp>
+        <p:nvSpPr>
+          <p:cNvPr id="11" name="TextBox 10">
+            <a:extLst>
+              <a:ext uri="{FF2B5EF4-FFF2-40B4-BE49-F238E27FC236}">
+                <a16:creationId xmlns:a16="http://schemas.microsoft.com/office/drawing/2014/main" id="{F3CCFDD4-FC8F-EECC-6142-1DE2E5A88380}"/>
+              </a:ext>
+            </a:extLst>
+          </p:cNvPr>
+          <p:cNvSpPr txBox="1"/>
+          <p:nvPr/>
+        </p:nvSpPr>
+        <p:spPr>
+          <a:xfrm>
+            <a:off x="9566955" y="4865753"/>
+            <a:ext cx="1011815" cy="369332"/>
+          </a:xfrm>
+          <a:prstGeom prst="rect">
+            <a:avLst/>
+          </a:prstGeom>
+          <a:noFill/>
+        </p:spPr>
+        <p:txBody>
+          <a:bodyPr wrap="none" rtlCol="0">
+            <a:spAutoFit/>
+          </a:bodyPr>
+          <a:lstStyle/>
+          <a:p>
+            <a:pPr algn="ctr"/>
+            <a:r>
+              <a:rPr lang="en-US" b="1" dirty="0">
+                <a:solidFill>
+                  <a:srgbClr val="00FF00"/>
+                </a:solidFill>
+                <a:latin typeface="Courier New" panose="02070309020205020404" pitchFamily="49" charset="0"/>
+                <a:cs typeface="Courier New" panose="02070309020205020404" pitchFamily="49" charset="0"/>
+              </a:rPr>
+              <a:t>return</a:t>
+            </a:r>
+          </a:p>
+        </p:txBody>
+      </p:sp>
     </p:spTree>
     <p:extLst>
       <p:ext uri="{BB962C8B-B14F-4D97-AF65-F5344CB8AC3E}">
@@ -5121,6 +6024,48 @@
           </a:p>
         </p:txBody>
       </p:sp>
+      <p:sp>
+        <p:nvSpPr>
+          <p:cNvPr id="11" name="TextBox 10">
+            <a:extLst>
+              <a:ext uri="{FF2B5EF4-FFF2-40B4-BE49-F238E27FC236}">
+                <a16:creationId xmlns:a16="http://schemas.microsoft.com/office/drawing/2014/main" id="{AC9A73CA-B387-1AA1-AB43-309742183DB0}"/>
+              </a:ext>
+            </a:extLst>
+          </p:cNvPr>
+          <p:cNvSpPr txBox="1"/>
+          <p:nvPr/>
+        </p:nvSpPr>
+        <p:spPr>
+          <a:xfrm>
+            <a:off x="9566955" y="4865753"/>
+            <a:ext cx="1011815" cy="369332"/>
+          </a:xfrm>
+          <a:prstGeom prst="rect">
+            <a:avLst/>
+          </a:prstGeom>
+          <a:noFill/>
+        </p:spPr>
+        <p:txBody>
+          <a:bodyPr wrap="none" rtlCol="0">
+            <a:spAutoFit/>
+          </a:bodyPr>
+          <a:lstStyle/>
+          <a:p>
+            <a:pPr algn="ctr"/>
+            <a:r>
+              <a:rPr lang="en-US" b="1" dirty="0">
+                <a:solidFill>
+                  <a:srgbClr val="00FF00"/>
+                </a:solidFill>
+                <a:latin typeface="Courier New" panose="02070309020205020404" pitchFamily="49" charset="0"/>
+                <a:cs typeface="Courier New" panose="02070309020205020404" pitchFamily="49" charset="0"/>
+              </a:rPr>
+              <a:t>return</a:t>
+            </a:r>
+          </a:p>
+        </p:txBody>
+      </p:sp>
     </p:spTree>
     <p:extLst>
       <p:ext uri="{BB962C8B-B14F-4D97-AF65-F5344CB8AC3E}">
@@ -6011,6 +6956,48 @@
           </a:p>
         </p:txBody>
       </p:sp>
+      <p:sp>
+        <p:nvSpPr>
+          <p:cNvPr id="11" name="TextBox 10">
+            <a:extLst>
+              <a:ext uri="{FF2B5EF4-FFF2-40B4-BE49-F238E27FC236}">
+                <a16:creationId xmlns:a16="http://schemas.microsoft.com/office/drawing/2014/main" id="{FF872913-7446-1F43-C3F5-7CFD6B460731}"/>
+              </a:ext>
+            </a:extLst>
+          </p:cNvPr>
+          <p:cNvSpPr txBox="1"/>
+          <p:nvPr/>
+        </p:nvSpPr>
+        <p:spPr>
+          <a:xfrm>
+            <a:off x="9566955" y="4865753"/>
+            <a:ext cx="1011815" cy="369332"/>
+          </a:xfrm>
+          <a:prstGeom prst="rect">
+            <a:avLst/>
+          </a:prstGeom>
+          <a:noFill/>
+        </p:spPr>
+        <p:txBody>
+          <a:bodyPr wrap="none" rtlCol="0">
+            <a:spAutoFit/>
+          </a:bodyPr>
+          <a:lstStyle/>
+          <a:p>
+            <a:pPr algn="ctr"/>
+            <a:r>
+              <a:rPr lang="en-US" b="1" dirty="0">
+                <a:solidFill>
+                  <a:srgbClr val="00FF00"/>
+                </a:solidFill>
+                <a:latin typeface="Courier New" panose="02070309020205020404" pitchFamily="49" charset="0"/>
+                <a:cs typeface="Courier New" panose="02070309020205020404" pitchFamily="49" charset="0"/>
+              </a:rPr>
+              <a:t>return</a:t>
+            </a:r>
+          </a:p>
+        </p:txBody>
+      </p:sp>
     </p:spTree>
     <p:extLst>
       <p:ext uri="{BB962C8B-B14F-4D97-AF65-F5344CB8AC3E}">
@@ -7123,6 +8110,48 @@
           </a:p>
         </p:txBody>
       </p:sp>
+      <p:sp>
+        <p:nvSpPr>
+          <p:cNvPr id="22" name="TextBox 21">
+            <a:extLst>
+              <a:ext uri="{FF2B5EF4-FFF2-40B4-BE49-F238E27FC236}">
+                <a16:creationId xmlns:a16="http://schemas.microsoft.com/office/drawing/2014/main" id="{E363C600-00AD-915D-A304-EB6B7FCB11B8}"/>
+              </a:ext>
+            </a:extLst>
+          </p:cNvPr>
+          <p:cNvSpPr txBox="1"/>
+          <p:nvPr/>
+        </p:nvSpPr>
+        <p:spPr>
+          <a:xfrm>
+            <a:off x="9566955" y="4865753"/>
+            <a:ext cx="1011815" cy="369332"/>
+          </a:xfrm>
+          <a:prstGeom prst="rect">
+            <a:avLst/>
+          </a:prstGeom>
+          <a:noFill/>
+        </p:spPr>
+        <p:txBody>
+          <a:bodyPr wrap="none" rtlCol="0">
+            <a:spAutoFit/>
+          </a:bodyPr>
+          <a:lstStyle/>
+          <a:p>
+            <a:pPr algn="ctr"/>
+            <a:r>
+              <a:rPr lang="en-US" b="1" dirty="0">
+                <a:solidFill>
+                  <a:srgbClr val="00FF00"/>
+                </a:solidFill>
+                <a:latin typeface="Courier New" panose="02070309020205020404" pitchFamily="49" charset="0"/>
+                <a:cs typeface="Courier New" panose="02070309020205020404" pitchFamily="49" charset="0"/>
+              </a:rPr>
+              <a:t>return</a:t>
+            </a:r>
+          </a:p>
+        </p:txBody>
+      </p:sp>
     </p:spTree>
     <p:extLst>
       <p:ext uri="{BB962C8B-B14F-4D97-AF65-F5344CB8AC3E}">
@@ -7887,6 +8916,73 @@
       </p:sp>
       <p:sp>
         <p:nvSpPr>
+          <p:cNvPr id="6" name="Content Placeholder 2">
+            <a:extLst>
+              <a:ext uri="{FF2B5EF4-FFF2-40B4-BE49-F238E27FC236}">
+                <a16:creationId xmlns:a16="http://schemas.microsoft.com/office/drawing/2014/main" id="{3B398CEB-BD84-3604-465A-CED66E3E9666}"/>
+              </a:ext>
+            </a:extLst>
+          </p:cNvPr>
+          <p:cNvSpPr>
+            <a:spLocks noGrp="1"/>
+          </p:cNvSpPr>
+          <p:nvPr>
+            <p:ph idx="1"/>
+          </p:nvPr>
+        </p:nvSpPr>
+        <p:spPr>
+          <a:xfrm>
+            <a:off x="924169" y="1731840"/>
+            <a:ext cx="4757615" cy="4835479"/>
+          </a:xfrm>
+        </p:spPr>
+        <p:txBody>
+          <a:bodyPr>
+            <a:normAutofit/>
+          </a:bodyPr>
+          <a:lstStyle/>
+          <a:p>
+            <a:r>
+              <a:rPr lang="en-US" sz="3200" b="1" dirty="0">
+                <a:solidFill>
+                  <a:schemeClr val="accent6"/>
+                </a:solidFill>
+              </a:rPr>
+              <a:t>Use cases</a:t>
+            </a:r>
+          </a:p>
+          <a:p>
+            <a:r>
+              <a:rPr lang="en-US" sz="3200" b="1" u="sng" dirty="0"/>
+              <a:t>Debugging</a:t>
+            </a:r>
+            <a:r>
+              <a:rPr lang="en-US" sz="3200" b="1" dirty="0">
+                <a:solidFill>
+                  <a:schemeClr val="accent1"/>
+                </a:solidFill>
+              </a:rPr>
+              <a:t>.</a:t>
+            </a:r>
+          </a:p>
+          <a:p>
+            <a:r>
+              <a:rPr lang="en-US" sz="3200" dirty="0"/>
+              <a:t>Displaying messages to users</a:t>
+            </a:r>
+            <a:r>
+              <a:rPr lang="en-US" sz="3200" dirty="0">
+                <a:solidFill>
+                  <a:schemeClr val="accent1"/>
+                </a:solidFill>
+              </a:rPr>
+              <a:t>.</a:t>
+            </a:r>
+          </a:p>
+        </p:txBody>
+      </p:sp>
+      <p:sp>
+        <p:nvSpPr>
           <p:cNvPr id="3" name="Title 3">
             <a:extLst>
               <a:ext uri="{FF2B5EF4-FFF2-40B4-BE49-F238E27FC236}">
@@ -7941,73 +9037,6 @@
                 <a:cs typeface="Courier New" panose="02070309020205020404" pitchFamily="49" charset="0"/>
               </a:rPr>
               <a:t>return</a:t>
-            </a:r>
-          </a:p>
-        </p:txBody>
-      </p:sp>
-      <p:sp>
-        <p:nvSpPr>
-          <p:cNvPr id="6" name="Content Placeholder 2">
-            <a:extLst>
-              <a:ext uri="{FF2B5EF4-FFF2-40B4-BE49-F238E27FC236}">
-                <a16:creationId xmlns:a16="http://schemas.microsoft.com/office/drawing/2014/main" id="{3B398CEB-BD84-3604-465A-CED66E3E9666}"/>
-              </a:ext>
-            </a:extLst>
-          </p:cNvPr>
-          <p:cNvSpPr>
-            <a:spLocks noGrp="1"/>
-          </p:cNvSpPr>
-          <p:nvPr>
-            <p:ph idx="1"/>
-          </p:nvPr>
-        </p:nvSpPr>
-        <p:spPr>
-          <a:xfrm>
-            <a:off x="924169" y="1731840"/>
-            <a:ext cx="4757615" cy="4835479"/>
-          </a:xfrm>
-        </p:spPr>
-        <p:txBody>
-          <a:bodyPr>
-            <a:normAutofit/>
-          </a:bodyPr>
-          <a:lstStyle/>
-          <a:p>
-            <a:r>
-              <a:rPr lang="en-US" sz="3200" b="1" dirty="0">
-                <a:solidFill>
-                  <a:schemeClr val="accent6"/>
-                </a:solidFill>
-              </a:rPr>
-              <a:t>Use cases</a:t>
-            </a:r>
-          </a:p>
-          <a:p>
-            <a:r>
-              <a:rPr lang="en-US" sz="3200" b="1" u="sng" dirty="0"/>
-              <a:t>Debugging</a:t>
-            </a:r>
-            <a:r>
-              <a:rPr lang="en-US" sz="3200" b="1" dirty="0">
-                <a:solidFill>
-                  <a:schemeClr val="accent1"/>
-                </a:solidFill>
-              </a:rPr>
-              <a:t>.</a:t>
-            </a:r>
-          </a:p>
-          <a:p>
-            <a:r>
-              <a:rPr lang="en-US" sz="3200" dirty="0"/>
-              <a:t>Displaying messages to users</a:t>
-            </a:r>
-            <a:r>
-              <a:rPr lang="en-US" sz="3200" dirty="0">
-                <a:solidFill>
-                  <a:schemeClr val="accent1"/>
-                </a:solidFill>
-              </a:rPr>
-              <a:t>.</a:t>
             </a:r>
           </a:p>
         </p:txBody>
@@ -8813,25 +9842,6 @@
             </a:r>
           </a:p>
           <a:p>
-            <a:pPr lvl="1"/>
-            <a:r>
-              <a:rPr lang="en-US" b="1" dirty="0"/>
-              <a:t>Reading</a:t>
-            </a:r>
-            <a:r>
-              <a:rPr lang="en-US" b="1" dirty="0">
-                <a:solidFill>
-                  <a:schemeClr val="accent1"/>
-                </a:solidFill>
-              </a:rPr>
-              <a:t>:</a:t>
-            </a:r>
-            <a:r>
-              <a:rPr lang="en-US" b="1" dirty="0"/>
-              <a:t> Chapter 9</a:t>
-            </a:r>
-          </a:p>
-          <a:p>
             <a:r>
               <a:rPr lang="en-US" b="1" dirty="0"/>
               <a:t>Lecture </a:t>
@@ -8850,13 +9860,6 @@
             <a:r>
               <a:rPr lang="en-US" dirty="0"/>
               <a:t>More while loops</a:t>
-            </a:r>
-          </a:p>
-          <a:p>
-            <a:pPr lvl="1"/>
-            <a:r>
-              <a:rPr lang="en-US" dirty="0"/>
-              <a:t>Reading: Chapter 9</a:t>
             </a:r>
           </a:p>
           <a:p>
@@ -11373,6 +12376,61 @@
           </a:p>
         </p:txBody>
       </p:sp>
+      <p:sp>
+        <p:nvSpPr>
+          <p:cNvPr id="13" name="TextBox 12">
+            <a:extLst>
+              <a:ext uri="{FF2B5EF4-FFF2-40B4-BE49-F238E27FC236}">
+                <a16:creationId xmlns:a16="http://schemas.microsoft.com/office/drawing/2014/main" id="{794BA9DA-3499-0CDA-D665-23459D3EC43D}"/>
+              </a:ext>
+            </a:extLst>
+          </p:cNvPr>
+          <p:cNvSpPr txBox="1"/>
+          <p:nvPr/>
+        </p:nvSpPr>
+        <p:spPr>
+          <a:xfrm>
+            <a:off x="4663407" y="640663"/>
+            <a:ext cx="2538933" cy="1200329"/>
+          </a:xfrm>
+          <a:prstGeom prst="rect">
+            <a:avLst/>
+          </a:prstGeom>
+          <a:noFill/>
+        </p:spPr>
+        <p:txBody>
+          <a:bodyPr wrap="square" rtlCol="0">
+            <a:spAutoFit/>
+          </a:bodyPr>
+          <a:lstStyle/>
+          <a:p>
+            <a:r>
+              <a:rPr lang="en-US" b="1" dirty="0">
+                <a:solidFill>
+                  <a:srgbClr val="00FF00"/>
+                </a:solidFill>
+              </a:rPr>
+              <a:t>Standard Out </a:t>
+            </a:r>
+            <a:r>
+              <a:rPr lang="en-US" dirty="0">
+                <a:solidFill>
+                  <a:srgbClr val="FFFFFF"/>
+                </a:solidFill>
+              </a:rPr>
+              <a:t>is a single area of text shared by all the code in a program</a:t>
+            </a:r>
+            <a:r>
+              <a:rPr lang="en-US" dirty="0">
+                <a:solidFill>
+                  <a:srgbClr val="00FF00"/>
+                </a:solidFill>
+              </a:rPr>
+              <a:t>.</a:t>
+            </a:r>
+          </a:p>
+        </p:txBody>
+      </p:sp>
     </p:spTree>
     <p:extLst>
       <p:ext uri="{BB962C8B-B14F-4D97-AF65-F5344CB8AC3E}">
@@ -11488,6 +12546,61 @@
       </p:sp>
       <p:sp>
         <p:nvSpPr>
+          <p:cNvPr id="3" name="Content Placeholder 2">
+            <a:extLst>
+              <a:ext uri="{FF2B5EF4-FFF2-40B4-BE49-F238E27FC236}">
+                <a16:creationId xmlns:a16="http://schemas.microsoft.com/office/drawing/2014/main" id="{B7867601-AE17-EA38-6057-0E6FFB104459}"/>
+              </a:ext>
+            </a:extLst>
+          </p:cNvPr>
+          <p:cNvSpPr>
+            <a:spLocks noGrp="1"/>
+          </p:cNvSpPr>
+          <p:nvPr>
+            <p:ph idx="1"/>
+          </p:nvPr>
+        </p:nvSpPr>
+        <p:spPr>
+          <a:xfrm>
+            <a:off x="838200" y="1825624"/>
+            <a:ext cx="6874041" cy="4900029"/>
+          </a:xfrm>
+        </p:spPr>
+        <p:txBody>
+          <a:bodyPr>
+            <a:normAutofit/>
+          </a:bodyPr>
+          <a:lstStyle/>
+          <a:p>
+            <a:r>
+              <a:rPr lang="en-US" dirty="0"/>
+              <a:t>Let</a:t>
+            </a:r>
+            <a:r>
+              <a:rPr lang="en-US" dirty="0">
+                <a:solidFill>
+                  <a:schemeClr val="accent6"/>
+                </a:solidFill>
+              </a:rPr>
+              <a:t>’</a:t>
+            </a:r>
+            <a:r>
+              <a:rPr lang="en-US" dirty="0"/>
+              <a:t>s look at some examples</a:t>
+            </a:r>
+            <a:r>
+              <a:rPr lang="en-US" dirty="0">
+                <a:solidFill>
+                  <a:schemeClr val="accent6"/>
+                </a:solidFill>
+              </a:rPr>
+              <a:t>.</a:t>
+            </a:r>
+          </a:p>
+        </p:txBody>
+      </p:sp>
+      <p:sp>
+        <p:nvSpPr>
           <p:cNvPr id="9" name="Rectangle: Rounded Corners 8">
             <a:extLst>
               <a:ext uri="{FF2B5EF4-FFF2-40B4-BE49-F238E27FC236}">
@@ -11603,61 +12716,6 @@
                 <a:cs typeface="Courier New" panose="02070309020205020404" pitchFamily="49" charset="0"/>
               </a:rPr>
               <a:t>return</a:t>
-            </a:r>
-          </a:p>
-        </p:txBody>
-      </p:sp>
-      <p:sp>
-        <p:nvSpPr>
-          <p:cNvPr id="3" name="Content Placeholder 2">
-            <a:extLst>
-              <a:ext uri="{FF2B5EF4-FFF2-40B4-BE49-F238E27FC236}">
-                <a16:creationId xmlns:a16="http://schemas.microsoft.com/office/drawing/2014/main" id="{B7867601-AE17-EA38-6057-0E6FFB104459}"/>
-              </a:ext>
-            </a:extLst>
-          </p:cNvPr>
-          <p:cNvSpPr>
-            <a:spLocks noGrp="1"/>
-          </p:cNvSpPr>
-          <p:nvPr>
-            <p:ph idx="1"/>
-          </p:nvPr>
-        </p:nvSpPr>
-        <p:spPr>
-          <a:xfrm>
-            <a:off x="838200" y="1825624"/>
-            <a:ext cx="6874041" cy="4900029"/>
-          </a:xfrm>
-        </p:spPr>
-        <p:txBody>
-          <a:bodyPr>
-            <a:normAutofit/>
-          </a:bodyPr>
-          <a:lstStyle/>
-          <a:p>
-            <a:r>
-              <a:rPr lang="en-US" dirty="0"/>
-              <a:t>Let</a:t>
-            </a:r>
-            <a:r>
-              <a:rPr lang="en-US" dirty="0">
-                <a:solidFill>
-                  <a:schemeClr val="accent6"/>
-                </a:solidFill>
-              </a:rPr>
-              <a:t>’</a:t>
-            </a:r>
-            <a:r>
-              <a:rPr lang="en-US" dirty="0"/>
-              <a:t>s look at some examples</a:t>
-            </a:r>
-            <a:r>
-              <a:rPr lang="en-US" dirty="0">
-                <a:solidFill>
-                  <a:schemeClr val="accent6"/>
-                </a:solidFill>
-              </a:rPr>
-              <a:t>.</a:t>
             </a:r>
           </a:p>
         </p:txBody>
@@ -12390,9 +13448,9 @@
             <a:avLst/>
           </a:prstGeom>
           <a:solidFill>
-            <a:schemeClr val="bg1">
-              <a:alpha val="77000"/>
-            </a:schemeClr>
+            <a:srgbClr val="2D2D2D">
+              <a:alpha val="86000"/>
+            </a:srgbClr>
           </a:solidFill>
           <a:ln>
             <a:noFill/>
@@ -12971,10 +14029,10 @@
       </p:sp>
       <p:sp>
         <p:nvSpPr>
-          <p:cNvPr id="9" name="Rectangle 8">
-            <a:extLst>
-              <a:ext uri="{FF2B5EF4-FFF2-40B4-BE49-F238E27FC236}">
-                <a16:creationId xmlns:a16="http://schemas.microsoft.com/office/drawing/2014/main" id="{AA766CCD-A16A-50B0-B5F3-678B8D98F62A}"/>
+          <p:cNvPr id="3" name="Rectangle 2">
+            <a:extLst>
+              <a:ext uri="{FF2B5EF4-FFF2-40B4-BE49-F238E27FC236}">
+                <a16:creationId xmlns:a16="http://schemas.microsoft.com/office/drawing/2014/main" id="{ACE5C605-7BE2-A79A-823E-CD91766704EC}"/>
               </a:ext>
             </a:extLst>
           </p:cNvPr>
@@ -12983,16 +14041,16 @@
         </p:nvSpPr>
         <p:spPr>
           <a:xfrm>
-            <a:off x="4263725" y="1688123"/>
-            <a:ext cx="7709444" cy="4931508"/>
+            <a:off x="4214191" y="1688123"/>
+            <a:ext cx="7758978" cy="4931508"/>
           </a:xfrm>
           <a:prstGeom prst="rect">
             <a:avLst/>
           </a:prstGeom>
           <a:solidFill>
-            <a:schemeClr val="bg1">
-              <a:alpha val="77000"/>
-            </a:schemeClr>
+            <a:srgbClr val="2D2D2D">
+              <a:alpha val="86000"/>
+            </a:srgbClr>
           </a:solidFill>
           <a:ln>
             <a:noFill/>
@@ -13571,10 +14629,57 @@
       </p:sp>
       <p:sp>
         <p:nvSpPr>
-          <p:cNvPr id="9" name="Rectangle 8">
-            <a:extLst>
-              <a:ext uri="{FF2B5EF4-FFF2-40B4-BE49-F238E27FC236}">
-                <a16:creationId xmlns:a16="http://schemas.microsoft.com/office/drawing/2014/main" id="{AA766CCD-A16A-50B0-B5F3-678B8D98F62A}"/>
+          <p:cNvPr id="4" name="TextBox 3">
+            <a:extLst>
+              <a:ext uri="{FF2B5EF4-FFF2-40B4-BE49-F238E27FC236}">
+                <a16:creationId xmlns:a16="http://schemas.microsoft.com/office/drawing/2014/main" id="{4680DD2F-B122-E9DB-0081-BB96E57E3BB6}"/>
+              </a:ext>
+            </a:extLst>
+          </p:cNvPr>
+          <p:cNvSpPr txBox="1"/>
+          <p:nvPr/>
+        </p:nvSpPr>
+        <p:spPr>
+          <a:xfrm>
+            <a:off x="94647" y="3308809"/>
+            <a:ext cx="654346" cy="369332"/>
+          </a:xfrm>
+          <a:prstGeom prst="rect">
+            <a:avLst/>
+          </a:prstGeom>
+          <a:noFill/>
+        </p:spPr>
+        <p:txBody>
+          <a:bodyPr wrap="none" rtlCol="0">
+            <a:spAutoFit/>
+          </a:bodyPr>
+          <a:lstStyle/>
+          <a:p>
+            <a:r>
+              <a:rPr lang="en-US" b="1" dirty="0">
+                <a:solidFill>
+                  <a:srgbClr val="FFFFFF"/>
+                </a:solidFill>
+              </a:rPr>
+              <a:t>end</a:t>
+            </a:r>
+            <a:r>
+              <a:rPr lang="en-US" b="1" dirty="0">
+                <a:solidFill>
+                  <a:srgbClr val="FF0066"/>
+                </a:solidFill>
+              </a:rPr>
+              <a:t>.</a:t>
+            </a:r>
+          </a:p>
+        </p:txBody>
+      </p:sp>
+      <p:sp>
+        <p:nvSpPr>
+          <p:cNvPr id="5" name="Arrow: Right 4">
+            <a:extLst>
+              <a:ext uri="{FF2B5EF4-FFF2-40B4-BE49-F238E27FC236}">
+                <a16:creationId xmlns:a16="http://schemas.microsoft.com/office/drawing/2014/main" id="{F92A90AB-3E9F-85F4-9197-9034AA1E4A96}"/>
               </a:ext>
             </a:extLst>
           </p:cNvPr>
@@ -13583,16 +14688,14 @@
         </p:nvSpPr>
         <p:spPr>
           <a:xfrm>
-            <a:off x="4263725" y="1688123"/>
-            <a:ext cx="7709444" cy="4931508"/>
-          </a:xfrm>
-          <a:prstGeom prst="rect">
+            <a:off x="791310" y="3381158"/>
+            <a:ext cx="242277" cy="250092"/>
+          </a:xfrm>
+          <a:prstGeom prst="rightArrow">
             <a:avLst/>
           </a:prstGeom>
           <a:solidFill>
-            <a:schemeClr val="bg1">
-              <a:alpha val="77000"/>
-            </a:schemeClr>
+            <a:srgbClr val="FF0066"/>
           </a:solidFill>
           <a:ln>
             <a:noFill/>
@@ -13625,73 +14728,28 @@
       </p:sp>
       <p:sp>
         <p:nvSpPr>
-          <p:cNvPr id="4" name="TextBox 3">
-            <a:extLst>
-              <a:ext uri="{FF2B5EF4-FFF2-40B4-BE49-F238E27FC236}">
-                <a16:creationId xmlns:a16="http://schemas.microsoft.com/office/drawing/2014/main" id="{4680DD2F-B122-E9DB-0081-BB96E57E3BB6}"/>
-              </a:ext>
-            </a:extLst>
-          </p:cNvPr>
-          <p:cNvSpPr txBox="1"/>
-          <p:nvPr/>
-        </p:nvSpPr>
-        <p:spPr>
-          <a:xfrm>
-            <a:off x="94647" y="3308809"/>
-            <a:ext cx="654346" cy="369332"/>
+          <p:cNvPr id="3" name="Rectangle 2">
+            <a:extLst>
+              <a:ext uri="{FF2B5EF4-FFF2-40B4-BE49-F238E27FC236}">
+                <a16:creationId xmlns:a16="http://schemas.microsoft.com/office/drawing/2014/main" id="{3D87378E-1B1F-78F9-F007-497021BCF0B7}"/>
+              </a:ext>
+            </a:extLst>
+          </p:cNvPr>
+          <p:cNvSpPr/>
+          <p:nvPr/>
+        </p:nvSpPr>
+        <p:spPr>
+          <a:xfrm>
+            <a:off x="4009293" y="1688123"/>
+            <a:ext cx="7963876" cy="4931508"/>
           </a:xfrm>
           <a:prstGeom prst="rect">
             <a:avLst/>
           </a:prstGeom>
-          <a:noFill/>
-        </p:spPr>
-        <p:txBody>
-          <a:bodyPr wrap="none" rtlCol="0">
-            <a:spAutoFit/>
-          </a:bodyPr>
-          <a:lstStyle/>
-          <a:p>
-            <a:r>
-              <a:rPr lang="en-US" b="1" dirty="0">
-                <a:solidFill>
-                  <a:srgbClr val="FFFFFF"/>
-                </a:solidFill>
-              </a:rPr>
-              <a:t>end</a:t>
-            </a:r>
-            <a:r>
-              <a:rPr lang="en-US" b="1" dirty="0">
-                <a:solidFill>
-                  <a:srgbClr val="FF0066"/>
-                </a:solidFill>
-              </a:rPr>
-              <a:t>.</a:t>
-            </a:r>
-          </a:p>
-        </p:txBody>
-      </p:sp>
-      <p:sp>
-        <p:nvSpPr>
-          <p:cNvPr id="5" name="Arrow: Right 4">
-            <a:extLst>
-              <a:ext uri="{FF2B5EF4-FFF2-40B4-BE49-F238E27FC236}">
-                <a16:creationId xmlns:a16="http://schemas.microsoft.com/office/drawing/2014/main" id="{F92A90AB-3E9F-85F4-9197-9034AA1E4A96}"/>
-              </a:ext>
-            </a:extLst>
-          </p:cNvPr>
-          <p:cNvSpPr/>
-          <p:nvPr/>
-        </p:nvSpPr>
-        <p:spPr>
-          <a:xfrm>
-            <a:off x="791310" y="3381158"/>
-            <a:ext cx="242277" cy="250092"/>
-          </a:xfrm>
-          <a:prstGeom prst="rightArrow">
-            <a:avLst/>
-          </a:prstGeom>
           <a:solidFill>
-            <a:srgbClr val="FF0066"/>
+            <a:srgbClr val="2D2D2D">
+              <a:alpha val="86000"/>
+            </a:srgbClr>
           </a:solidFill>
           <a:ln>
             <a:noFill/>
@@ -14270,10 +15328,57 @@
       </p:sp>
       <p:sp>
         <p:nvSpPr>
-          <p:cNvPr id="9" name="Rectangle 8">
-            <a:extLst>
-              <a:ext uri="{FF2B5EF4-FFF2-40B4-BE49-F238E27FC236}">
-                <a16:creationId xmlns:a16="http://schemas.microsoft.com/office/drawing/2014/main" id="{AA766CCD-A16A-50B0-B5F3-678B8D98F62A}"/>
+          <p:cNvPr id="4" name="TextBox 3">
+            <a:extLst>
+              <a:ext uri="{FF2B5EF4-FFF2-40B4-BE49-F238E27FC236}">
+                <a16:creationId xmlns:a16="http://schemas.microsoft.com/office/drawing/2014/main" id="{4680DD2F-B122-E9DB-0081-BB96E57E3BB6}"/>
+              </a:ext>
+            </a:extLst>
+          </p:cNvPr>
+          <p:cNvSpPr txBox="1"/>
+          <p:nvPr/>
+        </p:nvSpPr>
+        <p:spPr>
+          <a:xfrm>
+            <a:off x="94647" y="3308809"/>
+            <a:ext cx="654346" cy="369332"/>
+          </a:xfrm>
+          <a:prstGeom prst="rect">
+            <a:avLst/>
+          </a:prstGeom>
+          <a:noFill/>
+        </p:spPr>
+        <p:txBody>
+          <a:bodyPr wrap="none" rtlCol="0">
+            <a:spAutoFit/>
+          </a:bodyPr>
+          <a:lstStyle/>
+          <a:p>
+            <a:r>
+              <a:rPr lang="en-US" b="1" dirty="0">
+                <a:solidFill>
+                  <a:srgbClr val="FFFFFF"/>
+                </a:solidFill>
+              </a:rPr>
+              <a:t>end</a:t>
+            </a:r>
+            <a:r>
+              <a:rPr lang="en-US" b="1" dirty="0">
+                <a:solidFill>
+                  <a:srgbClr val="FF0066"/>
+                </a:solidFill>
+              </a:rPr>
+              <a:t>.</a:t>
+            </a:r>
+          </a:p>
+        </p:txBody>
+      </p:sp>
+      <p:sp>
+        <p:nvSpPr>
+          <p:cNvPr id="5" name="Arrow: Right 4">
+            <a:extLst>
+              <a:ext uri="{FF2B5EF4-FFF2-40B4-BE49-F238E27FC236}">
+                <a16:creationId xmlns:a16="http://schemas.microsoft.com/office/drawing/2014/main" id="{F92A90AB-3E9F-85F4-9197-9034AA1E4A96}"/>
               </a:ext>
             </a:extLst>
           </p:cNvPr>
@@ -14282,16 +15387,14 @@
         </p:nvSpPr>
         <p:spPr>
           <a:xfrm>
-            <a:off x="7971691" y="1688123"/>
-            <a:ext cx="4001477" cy="4931508"/>
-          </a:xfrm>
-          <a:prstGeom prst="rect">
+            <a:off x="791310" y="3381158"/>
+            <a:ext cx="242277" cy="250092"/>
+          </a:xfrm>
+          <a:prstGeom prst="rightArrow">
             <a:avLst/>
           </a:prstGeom>
           <a:solidFill>
-            <a:schemeClr val="bg1">
-              <a:alpha val="77000"/>
-            </a:schemeClr>
+            <a:srgbClr val="FF0066"/>
           </a:solidFill>
           <a:ln>
             <a:noFill/>
@@ -14324,73 +15427,28 @@
       </p:sp>
       <p:sp>
         <p:nvSpPr>
-          <p:cNvPr id="4" name="TextBox 3">
-            <a:extLst>
-              <a:ext uri="{FF2B5EF4-FFF2-40B4-BE49-F238E27FC236}">
-                <a16:creationId xmlns:a16="http://schemas.microsoft.com/office/drawing/2014/main" id="{4680DD2F-B122-E9DB-0081-BB96E57E3BB6}"/>
-              </a:ext>
-            </a:extLst>
-          </p:cNvPr>
-          <p:cNvSpPr txBox="1"/>
-          <p:nvPr/>
-        </p:nvSpPr>
-        <p:spPr>
-          <a:xfrm>
-            <a:off x="94647" y="3308809"/>
-            <a:ext cx="654346" cy="369332"/>
+          <p:cNvPr id="3" name="Rectangle 2">
+            <a:extLst>
+              <a:ext uri="{FF2B5EF4-FFF2-40B4-BE49-F238E27FC236}">
+                <a16:creationId xmlns:a16="http://schemas.microsoft.com/office/drawing/2014/main" id="{1373A726-A2AE-85F0-5FCB-021E0A7F5EC7}"/>
+              </a:ext>
+            </a:extLst>
+          </p:cNvPr>
+          <p:cNvSpPr/>
+          <p:nvPr/>
+        </p:nvSpPr>
+        <p:spPr>
+          <a:xfrm>
+            <a:off x="8030817" y="1688123"/>
+            <a:ext cx="3942352" cy="4931508"/>
           </a:xfrm>
           <a:prstGeom prst="rect">
             <a:avLst/>
           </a:prstGeom>
-          <a:noFill/>
-        </p:spPr>
-        <p:txBody>
-          <a:bodyPr wrap="none" rtlCol="0">
-            <a:spAutoFit/>
-          </a:bodyPr>
-          <a:lstStyle/>
-          <a:p>
-            <a:r>
-              <a:rPr lang="en-US" b="1" dirty="0">
-                <a:solidFill>
-                  <a:srgbClr val="FFFFFF"/>
-                </a:solidFill>
-              </a:rPr>
-              <a:t>end</a:t>
-            </a:r>
-            <a:r>
-              <a:rPr lang="en-US" b="1" dirty="0">
-                <a:solidFill>
-                  <a:srgbClr val="FF0066"/>
-                </a:solidFill>
-              </a:rPr>
-              <a:t>.</a:t>
-            </a:r>
-          </a:p>
-        </p:txBody>
-      </p:sp>
-      <p:sp>
-        <p:nvSpPr>
-          <p:cNvPr id="5" name="Arrow: Right 4">
-            <a:extLst>
-              <a:ext uri="{FF2B5EF4-FFF2-40B4-BE49-F238E27FC236}">
-                <a16:creationId xmlns:a16="http://schemas.microsoft.com/office/drawing/2014/main" id="{F92A90AB-3E9F-85F4-9197-9034AA1E4A96}"/>
-              </a:ext>
-            </a:extLst>
-          </p:cNvPr>
-          <p:cNvSpPr/>
-          <p:nvPr/>
-        </p:nvSpPr>
-        <p:spPr>
-          <a:xfrm>
-            <a:off x="791310" y="3381158"/>
-            <a:ext cx="242277" cy="250092"/>
-          </a:xfrm>
-          <a:prstGeom prst="rightArrow">
-            <a:avLst/>
-          </a:prstGeom>
           <a:solidFill>
-            <a:srgbClr val="FF0066"/>
+            <a:srgbClr val="2D2D2D">
+              <a:alpha val="86000"/>
+            </a:srgbClr>
           </a:solidFill>
           <a:ln>
             <a:noFill/>
@@ -14724,6 +15782,26 @@
             </a:r>
           </a:p>
           <a:p>
+            <a:r>
+              <a:rPr lang="en-US" sz="2400" b="1" dirty="0">
+                <a:solidFill>
+                  <a:srgbClr val="00FF00"/>
+                </a:solidFill>
+                <a:latin typeface="Courier New" panose="02070309020205020404" pitchFamily="49" charset="0"/>
+                <a:cs typeface="Courier New" panose="02070309020205020404" pitchFamily="49" charset="0"/>
+              </a:rPr>
+              <a:t>    </a:t>
+            </a:r>
+            <a:r>
+              <a:rPr lang="en-US" sz="2400" b="1" dirty="0">
+                <a:solidFill>
+                  <a:srgbClr val="FF0066"/>
+                </a:solidFill>
+                <a:latin typeface="Courier New" panose="02070309020205020404" pitchFamily="49" charset="0"/>
+                <a:cs typeface="Courier New" panose="02070309020205020404" pitchFamily="49" charset="0"/>
+              </a:rPr>
+              <a:t>return None</a:t>
+            </a:r>
             <a:endParaRPr lang="en-US" sz="2400" b="1" dirty="0">
               <a:solidFill>
                 <a:srgbClr val="00FF00"/>
@@ -14969,10 +16047,57 @@
       </p:sp>
       <p:sp>
         <p:nvSpPr>
-          <p:cNvPr id="9" name="Rectangle 8">
-            <a:extLst>
-              <a:ext uri="{FF2B5EF4-FFF2-40B4-BE49-F238E27FC236}">
-                <a16:creationId xmlns:a16="http://schemas.microsoft.com/office/drawing/2014/main" id="{AA766CCD-A16A-50B0-B5F3-678B8D98F62A}"/>
+          <p:cNvPr id="4" name="TextBox 3">
+            <a:extLst>
+              <a:ext uri="{FF2B5EF4-FFF2-40B4-BE49-F238E27FC236}">
+                <a16:creationId xmlns:a16="http://schemas.microsoft.com/office/drawing/2014/main" id="{4680DD2F-B122-E9DB-0081-BB96E57E3BB6}"/>
+              </a:ext>
+            </a:extLst>
+          </p:cNvPr>
+          <p:cNvSpPr txBox="1"/>
+          <p:nvPr/>
+        </p:nvSpPr>
+        <p:spPr>
+          <a:xfrm>
+            <a:off x="94647" y="3308809"/>
+            <a:ext cx="654346" cy="369332"/>
+          </a:xfrm>
+          <a:prstGeom prst="rect">
+            <a:avLst/>
+          </a:prstGeom>
+          <a:noFill/>
+        </p:spPr>
+        <p:txBody>
+          <a:bodyPr wrap="none" rtlCol="0">
+            <a:spAutoFit/>
+          </a:bodyPr>
+          <a:lstStyle/>
+          <a:p>
+            <a:r>
+              <a:rPr lang="en-US" b="1" dirty="0">
+                <a:solidFill>
+                  <a:srgbClr val="FFFFFF"/>
+                </a:solidFill>
+              </a:rPr>
+              <a:t>end</a:t>
+            </a:r>
+            <a:r>
+              <a:rPr lang="en-US" b="1" dirty="0">
+                <a:solidFill>
+                  <a:srgbClr val="FF0066"/>
+                </a:solidFill>
+              </a:rPr>
+              <a:t>.</a:t>
+            </a:r>
+          </a:p>
+        </p:txBody>
+      </p:sp>
+      <p:sp>
+        <p:nvSpPr>
+          <p:cNvPr id="5" name="Arrow: Right 4">
+            <a:extLst>
+              <a:ext uri="{FF2B5EF4-FFF2-40B4-BE49-F238E27FC236}">
+                <a16:creationId xmlns:a16="http://schemas.microsoft.com/office/drawing/2014/main" id="{F92A90AB-3E9F-85F4-9197-9034AA1E4A96}"/>
               </a:ext>
             </a:extLst>
           </p:cNvPr>
@@ -14981,16 +16106,14 @@
         </p:nvSpPr>
         <p:spPr>
           <a:xfrm>
-            <a:off x="7971691" y="1688123"/>
-            <a:ext cx="4001477" cy="4931508"/>
-          </a:xfrm>
-          <a:prstGeom prst="rect">
+            <a:off x="791310" y="3381158"/>
+            <a:ext cx="242277" cy="250092"/>
+          </a:xfrm>
+          <a:prstGeom prst="rightArrow">
             <a:avLst/>
           </a:prstGeom>
           <a:solidFill>
-            <a:schemeClr val="bg1">
-              <a:alpha val="77000"/>
-            </a:schemeClr>
+            <a:srgbClr val="FF0066"/>
           </a:solidFill>
           <a:ln>
             <a:noFill/>
@@ -15023,10 +16146,10 @@
       </p:sp>
       <p:sp>
         <p:nvSpPr>
-          <p:cNvPr id="4" name="TextBox 3">
-            <a:extLst>
-              <a:ext uri="{FF2B5EF4-FFF2-40B4-BE49-F238E27FC236}">
-                <a16:creationId xmlns:a16="http://schemas.microsoft.com/office/drawing/2014/main" id="{4680DD2F-B122-E9DB-0081-BB96E57E3BB6}"/>
+          <p:cNvPr id="3" name="TextBox 2">
+            <a:extLst>
+              <a:ext uri="{FF2B5EF4-FFF2-40B4-BE49-F238E27FC236}">
+                <a16:creationId xmlns:a16="http://schemas.microsoft.com/office/drawing/2014/main" id="{C7737EB8-DC89-6609-C3C3-354D01699F21}"/>
               </a:ext>
             </a:extLst>
           </p:cNvPr>
@@ -15035,8 +16158,8 @@
         </p:nvSpPr>
         <p:spPr>
           <a:xfrm>
-            <a:off x="94647" y="3308809"/>
-            <a:ext cx="654346" cy="369332"/>
+            <a:off x="3998002" y="3308322"/>
+            <a:ext cx="1152688" cy="1200329"/>
           </a:xfrm>
           <a:prstGeom prst="rect">
             <a:avLst/>
@@ -15066,14 +16189,60 @@
               <a:t>.</a:t>
             </a:r>
           </a:p>
-        </p:txBody>
-      </p:sp>
-      <p:sp>
-        <p:nvSpPr>
-          <p:cNvPr id="5" name="Arrow: Right 4">
-            <a:extLst>
-              <a:ext uri="{FF2B5EF4-FFF2-40B4-BE49-F238E27FC236}">
-                <a16:creationId xmlns:a16="http://schemas.microsoft.com/office/drawing/2014/main" id="{F92A90AB-3E9F-85F4-9197-9034AA1E4A96}"/>
+          <a:p>
+            <a:r>
+              <a:rPr lang="en-US" b="1" dirty="0">
+                <a:solidFill>
+                  <a:srgbClr val="FF0066"/>
+                </a:solidFill>
+              </a:rPr>
+              <a:t>(</a:t>
+            </a:r>
+            <a:r>
+              <a:rPr lang="en-US" dirty="0">
+                <a:solidFill>
+                  <a:srgbClr val="FFFFFF"/>
+                </a:solidFill>
+              </a:rPr>
+              <a:t>end of </a:t>
+            </a:r>
+          </a:p>
+          <a:p>
+            <a:r>
+              <a:rPr lang="en-US" dirty="0">
+                <a:solidFill>
+                  <a:srgbClr val="FFFFFF"/>
+                </a:solidFill>
+              </a:rPr>
+              <a:t>indented </a:t>
+            </a:r>
+          </a:p>
+          <a:p>
+            <a:r>
+              <a:rPr lang="en-US" dirty="0">
+                <a:solidFill>
+                  <a:srgbClr val="FFFFFF"/>
+                </a:solidFill>
+              </a:rPr>
+              <a:t>code</a:t>
+            </a:r>
+            <a:r>
+              <a:rPr lang="en-US" b="1" dirty="0">
+                <a:solidFill>
+                  <a:srgbClr val="FF0066"/>
+                </a:solidFill>
+              </a:rPr>
+              <a:t>)</a:t>
+            </a:r>
+          </a:p>
+        </p:txBody>
+      </p:sp>
+      <p:sp>
+        <p:nvSpPr>
+          <p:cNvPr id="10" name="Arrow: Right 9">
+            <a:extLst>
+              <a:ext uri="{FF2B5EF4-FFF2-40B4-BE49-F238E27FC236}">
+                <a16:creationId xmlns:a16="http://schemas.microsoft.com/office/drawing/2014/main" id="{DDCF9B08-0341-22EE-9A13-0E7BDBE1D900}"/>
               </a:ext>
             </a:extLst>
           </p:cNvPr>
@@ -15082,7 +16251,7 @@
         </p:nvSpPr>
         <p:spPr>
           <a:xfrm>
-            <a:off x="791310" y="3381158"/>
+            <a:off x="4694665" y="3380671"/>
             <a:ext cx="242277" cy="250092"/>
           </a:xfrm>
           <a:prstGeom prst="rightArrow">
@@ -15122,10 +16291,64 @@
       </p:sp>
       <p:sp>
         <p:nvSpPr>
-          <p:cNvPr id="11" name="TextBox 10">
-            <a:extLst>
-              <a:ext uri="{FF2B5EF4-FFF2-40B4-BE49-F238E27FC236}">
-                <a16:creationId xmlns:a16="http://schemas.microsoft.com/office/drawing/2014/main" id="{EA309DBB-0195-513C-D891-E4337EFA45D2}"/>
+          <p:cNvPr id="11" name="Rectangle 10">
+            <a:extLst>
+              <a:ext uri="{FF2B5EF4-FFF2-40B4-BE49-F238E27FC236}">
+                <a16:creationId xmlns:a16="http://schemas.microsoft.com/office/drawing/2014/main" id="{E398F745-71CC-6023-1762-113DCD53D300}"/>
+              </a:ext>
+            </a:extLst>
+          </p:cNvPr>
+          <p:cNvSpPr/>
+          <p:nvPr/>
+        </p:nvSpPr>
+        <p:spPr>
+          <a:xfrm>
+            <a:off x="8063948" y="1688123"/>
+            <a:ext cx="3909221" cy="4931508"/>
+          </a:xfrm>
+          <a:prstGeom prst="rect">
+            <a:avLst/>
+          </a:prstGeom>
+          <a:solidFill>
+            <a:srgbClr val="2D2D2D">
+              <a:alpha val="86000"/>
+            </a:srgbClr>
+          </a:solidFill>
+          <a:ln>
+            <a:noFill/>
+          </a:ln>
+        </p:spPr>
+        <p:style>
+          <a:lnRef idx="2">
+            <a:schemeClr val="accent1">
+              <a:shade val="50000"/>
+            </a:schemeClr>
+          </a:lnRef>
+          <a:fillRef idx="1">
+            <a:schemeClr val="accent1"/>
+          </a:fillRef>
+          <a:effectRef idx="0">
+            <a:schemeClr val="accent1"/>
+          </a:effectRef>
+          <a:fontRef idx="minor">
+            <a:schemeClr val="lt1"/>
+          </a:fontRef>
+        </p:style>
+        <p:txBody>
+          <a:bodyPr rtlCol="0" anchor="ctr"/>
+          <a:lstStyle/>
+          <a:p>
+            <a:pPr algn="ctr"/>
+            <a:endParaRPr lang="en-US"/>
+          </a:p>
+        </p:txBody>
+      </p:sp>
+      <p:sp>
+        <p:nvSpPr>
+          <p:cNvPr id="12" name="TextBox 11">
+            <a:extLst>
+              <a:ext uri="{FF2B5EF4-FFF2-40B4-BE49-F238E27FC236}">
+                <a16:creationId xmlns:a16="http://schemas.microsoft.com/office/drawing/2014/main" id="{C8CFDA6B-FDD2-270E-05A3-875B086AF4F7}"/>
               </a:ext>
             </a:extLst>
           </p:cNvPr>
@@ -15134,8 +16357,8 @@
         </p:nvSpPr>
         <p:spPr>
           <a:xfrm>
-            <a:off x="3998002" y="3590161"/>
-            <a:ext cx="1152688" cy="1200329"/>
+            <a:off x="5369499" y="4286127"/>
+            <a:ext cx="2760455" cy="830997"/>
           </a:xfrm>
           <a:prstGeom prst="rect">
             <a:avLst/>
@@ -15143,82 +16366,52 @@
           <a:noFill/>
         </p:spPr>
         <p:txBody>
-          <a:bodyPr wrap="none" rtlCol="0">
+          <a:bodyPr wrap="square" rtlCol="0">
             <a:spAutoFit/>
           </a:bodyPr>
           <a:lstStyle/>
           <a:p>
             <a:r>
-              <a:rPr lang="en-US" b="1" dirty="0">
+              <a:rPr lang="en-US" sz="1600" dirty="0">
                 <a:solidFill>
                   <a:srgbClr val="FFFFFF"/>
                 </a:solidFill>
               </a:rPr>
-              <a:t>end</a:t>
-            </a:r>
-            <a:r>
-              <a:rPr lang="en-US" b="1" dirty="0">
+              <a:t>If there is no return statement</a:t>
+            </a:r>
+            <a:r>
+              <a:rPr lang="en-US" sz="1600" dirty="0">
                 <a:solidFill>
                   <a:srgbClr val="FF0066"/>
                 </a:solidFill>
               </a:rPr>
+              <a:t>,</a:t>
+            </a:r>
+            <a:r>
+              <a:rPr lang="en-US" sz="1600" dirty="0">
+                <a:solidFill>
+                  <a:srgbClr val="FFFFFF"/>
+                </a:solidFill>
+              </a:rPr>
+              <a:t> Python adds one and returns None</a:t>
+            </a:r>
+            <a:r>
+              <a:rPr lang="en-US" sz="1600" dirty="0">
+                <a:solidFill>
+                  <a:srgbClr val="FF0066"/>
+                </a:solidFill>
+              </a:rPr>
               <a:t>.</a:t>
             </a:r>
           </a:p>
-          <a:p>
-            <a:r>
-              <a:rPr lang="en-US" b="1" dirty="0">
-                <a:solidFill>
-                  <a:srgbClr val="FF0066"/>
-                </a:solidFill>
-              </a:rPr>
-              <a:t>(</a:t>
-            </a:r>
-            <a:r>
-              <a:rPr lang="en-US" dirty="0">
-                <a:solidFill>
-                  <a:srgbClr val="FFFFFF"/>
-                </a:solidFill>
-              </a:rPr>
-              <a:t>end of </a:t>
-            </a:r>
-          </a:p>
-          <a:p>
-            <a:r>
-              <a:rPr lang="en-US" dirty="0">
-                <a:solidFill>
-                  <a:srgbClr val="FFFFFF"/>
-                </a:solidFill>
-              </a:rPr>
-              <a:t>indented </a:t>
-            </a:r>
-          </a:p>
-          <a:p>
-            <a:r>
-              <a:rPr lang="en-US" dirty="0">
-                <a:solidFill>
-                  <a:srgbClr val="FFFFFF"/>
-                </a:solidFill>
-              </a:rPr>
-              <a:t>code</a:t>
-            </a:r>
-            <a:r>
-              <a:rPr lang="en-US" b="1" dirty="0">
-                <a:solidFill>
-                  <a:srgbClr val="FF0066"/>
-                </a:solidFill>
-              </a:rPr>
-              <a:t>)</a:t>
-            </a:r>
-          </a:p>
-        </p:txBody>
-      </p:sp>
-      <p:sp>
-        <p:nvSpPr>
-          <p:cNvPr id="12" name="Arrow: Right 11">
-            <a:extLst>
-              <a:ext uri="{FF2B5EF4-FFF2-40B4-BE49-F238E27FC236}">
-                <a16:creationId xmlns:a16="http://schemas.microsoft.com/office/drawing/2014/main" id="{E8E4AB4E-5C49-34A1-5BF9-D28BE75A06A6}"/>
+        </p:txBody>
+      </p:sp>
+      <p:sp>
+        <p:nvSpPr>
+          <p:cNvPr id="13" name="Arrow: Right 12">
+            <a:extLst>
+              <a:ext uri="{FF2B5EF4-FFF2-40B4-BE49-F238E27FC236}">
+                <a16:creationId xmlns:a16="http://schemas.microsoft.com/office/drawing/2014/main" id="{4387ADED-4D55-561C-15A7-94B51582A11E}"/>
               </a:ext>
             </a:extLst>
           </p:cNvPr>
@@ -15226,8 +16419,8 @@
           <p:nvPr/>
         </p:nvSpPr>
         <p:spPr>
-          <a:xfrm>
-            <a:off x="4694665" y="3662510"/>
+          <a:xfrm rot="16200000">
+            <a:off x="5420231" y="4024788"/>
             <a:ext cx="242277" cy="250092"/>
           </a:xfrm>
           <a:prstGeom prst="rightArrow">
@@ -15297,6 +16490,99 @@
       </p:grpSpPr>
       <p:sp>
         <p:nvSpPr>
+          <p:cNvPr id="3" name="TextBox 2">
+            <a:extLst>
+              <a:ext uri="{FF2B5EF4-FFF2-40B4-BE49-F238E27FC236}">
+                <a16:creationId xmlns:a16="http://schemas.microsoft.com/office/drawing/2014/main" id="{605EB1F5-F97B-3A7C-6F89-0222F9227CBB}"/>
+              </a:ext>
+            </a:extLst>
+          </p:cNvPr>
+          <p:cNvSpPr txBox="1"/>
+          <p:nvPr/>
+        </p:nvSpPr>
+        <p:spPr>
+          <a:xfrm>
+            <a:off x="3998002" y="3308322"/>
+            <a:ext cx="1152688" cy="1200329"/>
+          </a:xfrm>
+          <a:prstGeom prst="rect">
+            <a:avLst/>
+          </a:prstGeom>
+          <a:noFill/>
+        </p:spPr>
+        <p:txBody>
+          <a:bodyPr wrap="none" rtlCol="0">
+            <a:spAutoFit/>
+          </a:bodyPr>
+          <a:lstStyle/>
+          <a:p>
+            <a:r>
+              <a:rPr lang="en-US" b="1" dirty="0">
+                <a:solidFill>
+                  <a:srgbClr val="FFFFFF"/>
+                </a:solidFill>
+              </a:rPr>
+              <a:t>end</a:t>
+            </a:r>
+            <a:r>
+              <a:rPr lang="en-US" b="1" dirty="0">
+                <a:solidFill>
+                  <a:srgbClr val="FF0066"/>
+                </a:solidFill>
+              </a:rPr>
+              <a:t>.</a:t>
+            </a:r>
+          </a:p>
+          <a:p>
+            <a:r>
+              <a:rPr lang="en-US" b="1" dirty="0">
+                <a:solidFill>
+                  <a:srgbClr val="FF0066"/>
+                </a:solidFill>
+              </a:rPr>
+              <a:t>(</a:t>
+            </a:r>
+            <a:r>
+              <a:rPr lang="en-US" dirty="0">
+                <a:solidFill>
+                  <a:srgbClr val="FFFFFF"/>
+                </a:solidFill>
+              </a:rPr>
+              <a:t>end of </a:t>
+            </a:r>
+          </a:p>
+          <a:p>
+            <a:r>
+              <a:rPr lang="en-US" dirty="0">
+                <a:solidFill>
+                  <a:srgbClr val="FFFFFF"/>
+                </a:solidFill>
+              </a:rPr>
+              <a:t>indented </a:t>
+            </a:r>
+          </a:p>
+          <a:p>
+            <a:r>
+              <a:rPr lang="en-US" dirty="0">
+                <a:solidFill>
+                  <a:srgbClr val="FFFFFF"/>
+                </a:solidFill>
+              </a:rPr>
+              <a:t>code</a:t>
+            </a:r>
+            <a:r>
+              <a:rPr lang="en-US" b="1" dirty="0">
+                <a:solidFill>
+                  <a:srgbClr val="FF0066"/>
+                </a:solidFill>
+              </a:rPr>
+              <a:t>)</a:t>
+            </a:r>
+          </a:p>
+        </p:txBody>
+      </p:sp>
+      <p:sp>
+        <p:nvSpPr>
           <p:cNvPr id="2" name="Title 1">
             <a:extLst>
               <a:ext uri="{FF2B5EF4-FFF2-40B4-BE49-F238E27FC236}">
@@ -15568,6 +16854,16 @@
             </a:r>
           </a:p>
           <a:p>
+            <a:r>
+              <a:rPr lang="en-US" sz="2400" b="1" dirty="0">
+                <a:solidFill>
+                  <a:srgbClr val="FF0066"/>
+                </a:solidFill>
+                <a:latin typeface="Courier New" panose="02070309020205020404" pitchFamily="49" charset="0"/>
+                <a:cs typeface="Courier New" panose="02070309020205020404" pitchFamily="49" charset="0"/>
+              </a:rPr>
+              <a:t>    return None</a:t>
+            </a:r>
             <a:endParaRPr lang="en-US" sz="2400" b="1" dirty="0">
               <a:solidFill>
                 <a:srgbClr val="00FF00"/>
@@ -15912,103 +17208,10 @@
       </p:sp>
       <p:sp>
         <p:nvSpPr>
-          <p:cNvPr id="11" name="TextBox 10">
-            <a:extLst>
-              <a:ext uri="{FF2B5EF4-FFF2-40B4-BE49-F238E27FC236}">
-                <a16:creationId xmlns:a16="http://schemas.microsoft.com/office/drawing/2014/main" id="{4FC16ACF-A77D-9298-675D-27ACAF25A7CD}"/>
-              </a:ext>
-            </a:extLst>
-          </p:cNvPr>
-          <p:cNvSpPr txBox="1"/>
-          <p:nvPr/>
-        </p:nvSpPr>
-        <p:spPr>
-          <a:xfrm>
-            <a:off x="3998002" y="3590161"/>
-            <a:ext cx="1152688" cy="1200329"/>
-          </a:xfrm>
-          <a:prstGeom prst="rect">
-            <a:avLst/>
-          </a:prstGeom>
-          <a:noFill/>
-        </p:spPr>
-        <p:txBody>
-          <a:bodyPr wrap="none" rtlCol="0">
-            <a:spAutoFit/>
-          </a:bodyPr>
-          <a:lstStyle/>
-          <a:p>
-            <a:r>
-              <a:rPr lang="en-US" b="1" dirty="0">
-                <a:solidFill>
-                  <a:srgbClr val="FFFFFF"/>
-                </a:solidFill>
-              </a:rPr>
-              <a:t>end</a:t>
-            </a:r>
-            <a:r>
-              <a:rPr lang="en-US" b="1" dirty="0">
-                <a:solidFill>
-                  <a:srgbClr val="FF0066"/>
-                </a:solidFill>
-              </a:rPr>
-              <a:t>.</a:t>
-            </a:r>
-          </a:p>
-          <a:p>
-            <a:r>
-              <a:rPr lang="en-US" b="1" dirty="0">
-                <a:solidFill>
-                  <a:srgbClr val="FF0066"/>
-                </a:solidFill>
-              </a:rPr>
-              <a:t>(</a:t>
-            </a:r>
-            <a:r>
-              <a:rPr lang="en-US" dirty="0">
-                <a:solidFill>
-                  <a:srgbClr val="FFFFFF"/>
-                </a:solidFill>
-              </a:rPr>
-              <a:t>end of </a:t>
-            </a:r>
-          </a:p>
-          <a:p>
-            <a:r>
-              <a:rPr lang="en-US" dirty="0">
-                <a:solidFill>
-                  <a:srgbClr val="FFFFFF"/>
-                </a:solidFill>
-              </a:rPr>
-              <a:t>indented </a:t>
-            </a:r>
-          </a:p>
-          <a:p>
-            <a:r>
-              <a:rPr lang="en-US" dirty="0">
-                <a:solidFill>
-                  <a:srgbClr val="FFFFFF"/>
-                </a:solidFill>
-              </a:rPr>
-              <a:t>code</a:t>
-            </a:r>
-            <a:r>
-              <a:rPr lang="en-US" b="1" dirty="0">
-                <a:solidFill>
-                  <a:srgbClr val="FF0066"/>
-                </a:solidFill>
-              </a:rPr>
-              <a:t>)</a:t>
-            </a:r>
-          </a:p>
-        </p:txBody>
-      </p:sp>
-      <p:sp>
-        <p:nvSpPr>
-          <p:cNvPr id="12" name="Arrow: Right 11">
-            <a:extLst>
-              <a:ext uri="{FF2B5EF4-FFF2-40B4-BE49-F238E27FC236}">
-                <a16:creationId xmlns:a16="http://schemas.microsoft.com/office/drawing/2014/main" id="{9D9C9932-3949-2903-5ED9-AED1F082D49D}"/>
+          <p:cNvPr id="9" name="Arrow: Right 8">
+            <a:extLst>
+              <a:ext uri="{FF2B5EF4-FFF2-40B4-BE49-F238E27FC236}">
+                <a16:creationId xmlns:a16="http://schemas.microsoft.com/office/drawing/2014/main" id="{25245765-A011-702D-6DF9-C655BF2E116C}"/>
               </a:ext>
             </a:extLst>
           </p:cNvPr>
@@ -16017,7 +17220,7 @@
         </p:nvSpPr>
         <p:spPr>
           <a:xfrm>
-            <a:off x="4694665" y="3662510"/>
+            <a:off x="4694665" y="3380671"/>
             <a:ext cx="242277" cy="250092"/>
           </a:xfrm>
           <a:prstGeom prst="rightArrow">
@@ -16547,6 +17750,26 @@
             </a:r>
           </a:p>
           <a:p>
+            <a:r>
+              <a:rPr lang="en-US" sz="2400" b="1" dirty="0">
+                <a:solidFill>
+                  <a:srgbClr val="00FF00"/>
+                </a:solidFill>
+                <a:latin typeface="Courier New" panose="02070309020205020404" pitchFamily="49" charset="0"/>
+                <a:cs typeface="Courier New" panose="02070309020205020404" pitchFamily="49" charset="0"/>
+              </a:rPr>
+              <a:t>    </a:t>
+            </a:r>
+            <a:r>
+              <a:rPr lang="en-US" sz="2400" b="1" dirty="0">
+                <a:solidFill>
+                  <a:srgbClr val="FF0066"/>
+                </a:solidFill>
+                <a:latin typeface="Courier New" panose="02070309020205020404" pitchFamily="49" charset="0"/>
+                <a:cs typeface="Courier New" panose="02070309020205020404" pitchFamily="49" charset="0"/>
+              </a:rPr>
+              <a:t>return None</a:t>
+            </a:r>
             <a:endParaRPr lang="en-US" sz="2400" b="1" dirty="0">
               <a:solidFill>
                 <a:srgbClr val="00FF00"/>
@@ -16904,10 +18127,10 @@
       </p:sp>
       <p:sp>
         <p:nvSpPr>
-          <p:cNvPr id="3" name="TextBox 2">
-            <a:extLst>
-              <a:ext uri="{FF2B5EF4-FFF2-40B4-BE49-F238E27FC236}">
-                <a16:creationId xmlns:a16="http://schemas.microsoft.com/office/drawing/2014/main" id="{3EE5E12C-B619-89F3-E1AE-B989DE09FB37}"/>
+          <p:cNvPr id="9" name="TextBox 8">
+            <a:extLst>
+              <a:ext uri="{FF2B5EF4-FFF2-40B4-BE49-F238E27FC236}">
+                <a16:creationId xmlns:a16="http://schemas.microsoft.com/office/drawing/2014/main" id="{162ED13E-79A9-066C-ACD6-64F64517C01F}"/>
               </a:ext>
             </a:extLst>
           </p:cNvPr>
@@ -16916,8 +18139,8 @@
         </p:nvSpPr>
         <p:spPr>
           <a:xfrm>
-            <a:off x="3998002" y="3590161"/>
-            <a:ext cx="1152688" cy="1200329"/>
+            <a:off x="7956496" y="2944384"/>
+            <a:ext cx="654346" cy="369332"/>
           </a:xfrm>
           <a:prstGeom prst="rect">
             <a:avLst/>
@@ -16947,60 +18170,14 @@
               <a:t>.</a:t>
             </a:r>
           </a:p>
-          <a:p>
-            <a:r>
-              <a:rPr lang="en-US" b="1" dirty="0">
-                <a:solidFill>
-                  <a:srgbClr val="FF0066"/>
-                </a:solidFill>
-              </a:rPr>
-              <a:t>(</a:t>
-            </a:r>
-            <a:r>
-              <a:rPr lang="en-US" dirty="0">
-                <a:solidFill>
-                  <a:srgbClr val="FFFFFF"/>
-                </a:solidFill>
-              </a:rPr>
-              <a:t>end of </a:t>
-            </a:r>
-          </a:p>
-          <a:p>
-            <a:r>
-              <a:rPr lang="en-US" dirty="0">
-                <a:solidFill>
-                  <a:srgbClr val="FFFFFF"/>
-                </a:solidFill>
-              </a:rPr>
-              <a:t>indented </a:t>
-            </a:r>
-          </a:p>
-          <a:p>
-            <a:r>
-              <a:rPr lang="en-US" dirty="0">
-                <a:solidFill>
-                  <a:srgbClr val="FFFFFF"/>
-                </a:solidFill>
-              </a:rPr>
-              <a:t>code</a:t>
-            </a:r>
-            <a:r>
-              <a:rPr lang="en-US" b="1" dirty="0">
-                <a:solidFill>
-                  <a:srgbClr val="FF0066"/>
-                </a:solidFill>
-              </a:rPr>
-              <a:t>)</a:t>
-            </a:r>
-          </a:p>
-        </p:txBody>
-      </p:sp>
-      <p:sp>
-        <p:nvSpPr>
-          <p:cNvPr id="10" name="Arrow: Right 9">
-            <a:extLst>
-              <a:ext uri="{FF2B5EF4-FFF2-40B4-BE49-F238E27FC236}">
-                <a16:creationId xmlns:a16="http://schemas.microsoft.com/office/drawing/2014/main" id="{98DA9D52-89BE-EDD0-247F-D0DEA6B682C3}"/>
+        </p:txBody>
+      </p:sp>
+      <p:sp>
+        <p:nvSpPr>
+          <p:cNvPr id="11" name="Arrow: Right 10">
+            <a:extLst>
+              <a:ext uri="{FF2B5EF4-FFF2-40B4-BE49-F238E27FC236}">
+                <a16:creationId xmlns:a16="http://schemas.microsoft.com/office/drawing/2014/main" id="{D45FD5DD-56F8-E91E-917A-E15F6232C4E8}"/>
               </a:ext>
             </a:extLst>
           </p:cNvPr>
@@ -17009,7 +18186,7 @@
         </p:nvSpPr>
         <p:spPr>
           <a:xfrm>
-            <a:off x="4694665" y="3662510"/>
+            <a:off x="8653159" y="3016733"/>
             <a:ext cx="242277" cy="250092"/>
           </a:xfrm>
           <a:prstGeom prst="rightArrow">
@@ -17049,57 +18226,10 @@
       </p:sp>
       <p:sp>
         <p:nvSpPr>
-          <p:cNvPr id="9" name="TextBox 8">
-            <a:extLst>
-              <a:ext uri="{FF2B5EF4-FFF2-40B4-BE49-F238E27FC236}">
-                <a16:creationId xmlns:a16="http://schemas.microsoft.com/office/drawing/2014/main" id="{162ED13E-79A9-066C-ACD6-64F64517C01F}"/>
-              </a:ext>
-            </a:extLst>
-          </p:cNvPr>
-          <p:cNvSpPr txBox="1"/>
-          <p:nvPr/>
-        </p:nvSpPr>
-        <p:spPr>
-          <a:xfrm>
-            <a:off x="7956496" y="2944384"/>
-            <a:ext cx="654346" cy="369332"/>
-          </a:xfrm>
-          <a:prstGeom prst="rect">
-            <a:avLst/>
-          </a:prstGeom>
-          <a:noFill/>
-        </p:spPr>
-        <p:txBody>
-          <a:bodyPr wrap="none" rtlCol="0">
-            <a:spAutoFit/>
-          </a:bodyPr>
-          <a:lstStyle/>
-          <a:p>
-            <a:r>
-              <a:rPr lang="en-US" b="1" dirty="0">
-                <a:solidFill>
-                  <a:srgbClr val="FFFFFF"/>
-                </a:solidFill>
-              </a:rPr>
-              <a:t>end</a:t>
-            </a:r>
-            <a:r>
-              <a:rPr lang="en-US" b="1" dirty="0">
-                <a:solidFill>
-                  <a:srgbClr val="FF0066"/>
-                </a:solidFill>
-              </a:rPr>
-              <a:t>.</a:t>
-            </a:r>
-          </a:p>
-        </p:txBody>
-      </p:sp>
-      <p:sp>
-        <p:nvSpPr>
-          <p:cNvPr id="11" name="Arrow: Right 10">
-            <a:extLst>
-              <a:ext uri="{FF2B5EF4-FFF2-40B4-BE49-F238E27FC236}">
-                <a16:creationId xmlns:a16="http://schemas.microsoft.com/office/drawing/2014/main" id="{D45FD5DD-56F8-E91E-917A-E15F6232C4E8}"/>
+          <p:cNvPr id="10" name="Arrow: Right 9">
+            <a:extLst>
+              <a:ext uri="{FF2B5EF4-FFF2-40B4-BE49-F238E27FC236}">
+                <a16:creationId xmlns:a16="http://schemas.microsoft.com/office/drawing/2014/main" id="{DF8B4E0F-2995-2FE0-F435-3F7332FA79CA}"/>
               </a:ext>
             </a:extLst>
           </p:cNvPr>
@@ -17108,7 +18238,7 @@
         </p:nvSpPr>
         <p:spPr>
           <a:xfrm>
-            <a:off x="8653159" y="3016733"/>
+            <a:off x="4694665" y="3380671"/>
             <a:ext cx="242277" cy="250092"/>
           </a:xfrm>
           <a:prstGeom prst="rightArrow">
@@ -17143,6 +18273,99 @@
           <a:p>
             <a:pPr algn="ctr"/>
             <a:endParaRPr lang="en-US"/>
+          </a:p>
+        </p:txBody>
+      </p:sp>
+      <p:sp>
+        <p:nvSpPr>
+          <p:cNvPr id="14" name="TextBox 13">
+            <a:extLst>
+              <a:ext uri="{FF2B5EF4-FFF2-40B4-BE49-F238E27FC236}">
+                <a16:creationId xmlns:a16="http://schemas.microsoft.com/office/drawing/2014/main" id="{468E0728-206B-9812-A1FC-76E21CE03ECA}"/>
+              </a:ext>
+            </a:extLst>
+          </p:cNvPr>
+          <p:cNvSpPr txBox="1"/>
+          <p:nvPr/>
+        </p:nvSpPr>
+        <p:spPr>
+          <a:xfrm>
+            <a:off x="3998002" y="3308322"/>
+            <a:ext cx="1152688" cy="1200329"/>
+          </a:xfrm>
+          <a:prstGeom prst="rect">
+            <a:avLst/>
+          </a:prstGeom>
+          <a:noFill/>
+        </p:spPr>
+        <p:txBody>
+          <a:bodyPr wrap="none" rtlCol="0">
+            <a:spAutoFit/>
+          </a:bodyPr>
+          <a:lstStyle/>
+          <a:p>
+            <a:r>
+              <a:rPr lang="en-US" b="1" dirty="0">
+                <a:solidFill>
+                  <a:srgbClr val="FFFFFF"/>
+                </a:solidFill>
+              </a:rPr>
+              <a:t>end</a:t>
+            </a:r>
+            <a:r>
+              <a:rPr lang="en-US" b="1" dirty="0">
+                <a:solidFill>
+                  <a:srgbClr val="FF0066"/>
+                </a:solidFill>
+              </a:rPr>
+              <a:t>.</a:t>
+            </a:r>
+          </a:p>
+          <a:p>
+            <a:r>
+              <a:rPr lang="en-US" b="1" dirty="0">
+                <a:solidFill>
+                  <a:srgbClr val="FF0066"/>
+                </a:solidFill>
+              </a:rPr>
+              <a:t>(</a:t>
+            </a:r>
+            <a:r>
+              <a:rPr lang="en-US" dirty="0">
+                <a:solidFill>
+                  <a:srgbClr val="FFFFFF"/>
+                </a:solidFill>
+              </a:rPr>
+              <a:t>end of </a:t>
+            </a:r>
+          </a:p>
+          <a:p>
+            <a:r>
+              <a:rPr lang="en-US" dirty="0">
+                <a:solidFill>
+                  <a:srgbClr val="FFFFFF"/>
+                </a:solidFill>
+              </a:rPr>
+              <a:t>indented </a:t>
+            </a:r>
+          </a:p>
+          <a:p>
+            <a:r>
+              <a:rPr lang="en-US" dirty="0">
+                <a:solidFill>
+                  <a:srgbClr val="FFFFFF"/>
+                </a:solidFill>
+              </a:rPr>
+              <a:t>code</a:t>
+            </a:r>
+            <a:r>
+              <a:rPr lang="en-US" b="1" dirty="0">
+                <a:solidFill>
+                  <a:srgbClr val="FF0066"/>
+                </a:solidFill>
+              </a:rPr>
+              <a:t>)</a:t>
+            </a:r>
           </a:p>
         </p:txBody>
       </p:sp>
@@ -25329,12 +26552,7 @@
             <p:ph type="title"/>
           </p:nvPr>
         </p:nvSpPr>
-        <p:spPr>
-          <a:xfrm>
-            <a:off x="838200" y="727514"/>
-            <a:ext cx="10515600" cy="656148"/>
-          </a:xfrm>
-        </p:spPr>
+        <p:spPr/>
         <p:txBody>
           <a:bodyPr>
             <a:normAutofit fontScale="90000"/>
@@ -26544,12 +27762,7 @@
             <p:ph type="title"/>
           </p:nvPr>
         </p:nvSpPr>
-        <p:spPr>
-          <a:xfrm>
-            <a:off x="838200" y="727514"/>
-            <a:ext cx="10515600" cy="656148"/>
-          </a:xfrm>
-        </p:spPr>
+        <p:spPr/>
         <p:txBody>
           <a:bodyPr>
             <a:normAutofit fontScale="90000"/>
@@ -27521,12 +28734,7 @@
             <p:ph type="title"/>
           </p:nvPr>
         </p:nvSpPr>
-        <p:spPr>
-          <a:xfrm>
-            <a:off x="838200" y="727514"/>
-            <a:ext cx="10515600" cy="656148"/>
-          </a:xfrm>
-        </p:spPr>
+        <p:spPr/>
         <p:txBody>
           <a:bodyPr>
             <a:normAutofit fontScale="90000"/>
@@ -28437,12 +29645,7 @@
             <p:ph type="title"/>
           </p:nvPr>
         </p:nvSpPr>
-        <p:spPr>
-          <a:xfrm>
-            <a:off x="838200" y="727514"/>
-            <a:ext cx="10515600" cy="656148"/>
-          </a:xfrm>
-        </p:spPr>
+        <p:spPr/>
         <p:txBody>
           <a:bodyPr>
             <a:normAutofit fontScale="90000"/>
@@ -29455,12 +30658,7 @@
             <p:ph type="title"/>
           </p:nvPr>
         </p:nvSpPr>
-        <p:spPr>
-          <a:xfrm>
-            <a:off x="838200" y="727514"/>
-            <a:ext cx="10515600" cy="656148"/>
-          </a:xfrm>
-        </p:spPr>
+        <p:spPr/>
         <p:txBody>
           <a:bodyPr>
             <a:normAutofit fontScale="90000"/>
@@ -30661,12 +31859,7 @@
             <p:ph type="title"/>
           </p:nvPr>
         </p:nvSpPr>
-        <p:spPr>
-          <a:xfrm>
-            <a:off x="838200" y="727514"/>
-            <a:ext cx="10515600" cy="656148"/>
-          </a:xfrm>
-        </p:spPr>
+        <p:spPr/>
         <p:txBody>
           <a:bodyPr>
             <a:normAutofit fontScale="90000"/>
@@ -31618,12 +32811,7 @@
             <p:ph type="title"/>
           </p:nvPr>
         </p:nvSpPr>
-        <p:spPr>
-          <a:xfrm>
-            <a:off x="838200" y="727514"/>
-            <a:ext cx="10515600" cy="656148"/>
-          </a:xfrm>
-        </p:spPr>
+        <p:spPr/>
         <p:txBody>
           <a:bodyPr>
             <a:normAutofit fontScale="90000"/>
@@ -32648,12 +33836,7 @@
             <p:ph type="title"/>
           </p:nvPr>
         </p:nvSpPr>
-        <p:spPr>
-          <a:xfrm>
-            <a:off x="838200" y="727514"/>
-            <a:ext cx="10515600" cy="656148"/>
-          </a:xfrm>
-        </p:spPr>
+        <p:spPr/>
         <p:txBody>
           <a:bodyPr>
             <a:normAutofit fontScale="90000"/>
@@ -33617,12 +34800,7 @@
             <p:ph type="title"/>
           </p:nvPr>
         </p:nvSpPr>
-        <p:spPr>
-          <a:xfrm>
-            <a:off x="838200" y="727514"/>
-            <a:ext cx="10515600" cy="656148"/>
-          </a:xfrm>
-        </p:spPr>
+        <p:spPr/>
         <p:txBody>
           <a:bodyPr>
             <a:normAutofit fontScale="90000"/>
@@ -34586,12 +35764,7 @@
             <p:ph type="title"/>
           </p:nvPr>
         </p:nvSpPr>
-        <p:spPr>
-          <a:xfrm>
-            <a:off x="838200" y="727514"/>
-            <a:ext cx="10515600" cy="656148"/>
-          </a:xfrm>
-        </p:spPr>
+        <p:spPr/>
         <p:txBody>
           <a:bodyPr>
             <a:normAutofit fontScale="90000"/>
@@ -35628,12 +36801,7 @@
             <p:ph type="title"/>
           </p:nvPr>
         </p:nvSpPr>
-        <p:spPr>
-          <a:xfrm>
-            <a:off x="838200" y="727514"/>
-            <a:ext cx="10515600" cy="656148"/>
-          </a:xfrm>
-        </p:spPr>
+        <p:spPr/>
         <p:txBody>
           <a:bodyPr>
             <a:normAutofit fontScale="90000"/>
@@ -36609,12 +37777,7 @@
             <p:ph type="title"/>
           </p:nvPr>
         </p:nvSpPr>
-        <p:spPr>
-          <a:xfrm>
-            <a:off x="838200" y="727514"/>
-            <a:ext cx="10515600" cy="656148"/>
-          </a:xfrm>
-        </p:spPr>
+        <p:spPr/>
         <p:txBody>
           <a:bodyPr>
             <a:normAutofit fontScale="90000"/>
@@ -37590,12 +38753,7 @@
             <p:ph type="title"/>
           </p:nvPr>
         </p:nvSpPr>
-        <p:spPr>
-          <a:xfrm>
-            <a:off x="838200" y="727514"/>
-            <a:ext cx="10515600" cy="656148"/>
-          </a:xfrm>
-        </p:spPr>
+        <p:spPr/>
         <p:txBody>
           <a:bodyPr>
             <a:normAutofit fontScale="90000"/>
@@ -38644,12 +39802,7 @@
             <p:ph type="title"/>
           </p:nvPr>
         </p:nvSpPr>
-        <p:spPr>
-          <a:xfrm>
-            <a:off x="838200" y="727514"/>
-            <a:ext cx="10515600" cy="656148"/>
-          </a:xfrm>
-        </p:spPr>
+        <p:spPr/>
         <p:txBody>
           <a:bodyPr>
             <a:normAutofit fontScale="90000"/>
@@ -39637,12 +40790,7 @@
             <p:ph type="title"/>
           </p:nvPr>
         </p:nvSpPr>
-        <p:spPr>
-          <a:xfrm>
-            <a:off x="838200" y="727514"/>
-            <a:ext cx="10515600" cy="656148"/>
-          </a:xfrm>
-        </p:spPr>
+        <p:spPr/>
         <p:txBody>
           <a:bodyPr>
             <a:normAutofit fontScale="90000"/>
@@ -41549,12 +42697,7 @@
             <p:ph type="title"/>
           </p:nvPr>
         </p:nvSpPr>
-        <p:spPr>
-          <a:xfrm>
-            <a:off x="838200" y="727514"/>
-            <a:ext cx="10515600" cy="656148"/>
-          </a:xfrm>
-        </p:spPr>
+        <p:spPr/>
         <p:txBody>
           <a:bodyPr>
             <a:normAutofit fontScale="90000"/>
@@ -42615,12 +43758,7 @@
             <p:ph type="title"/>
           </p:nvPr>
         </p:nvSpPr>
-        <p:spPr>
-          <a:xfrm>
-            <a:off x="838200" y="727514"/>
-            <a:ext cx="10515600" cy="656148"/>
-          </a:xfrm>
-        </p:spPr>
+        <p:spPr/>
         <p:txBody>
           <a:bodyPr>
             <a:normAutofit fontScale="90000"/>
@@ -43620,12 +44758,7 @@
             <p:ph type="title"/>
           </p:nvPr>
         </p:nvSpPr>
-        <p:spPr>
-          <a:xfrm>
-            <a:off x="838200" y="727514"/>
-            <a:ext cx="10515600" cy="656148"/>
-          </a:xfrm>
-        </p:spPr>
+        <p:spPr/>
         <p:txBody>
           <a:bodyPr>
             <a:normAutofit fontScale="90000"/>
@@ -44625,12 +45758,7 @@
             <p:ph type="title"/>
           </p:nvPr>
         </p:nvSpPr>
-        <p:spPr>
-          <a:xfrm>
-            <a:off x="838200" y="727514"/>
-            <a:ext cx="10515600" cy="656148"/>
-          </a:xfrm>
-        </p:spPr>
+        <p:spPr/>
         <p:txBody>
           <a:bodyPr>
             <a:normAutofit fontScale="90000"/>
@@ -45051,12 +46179,7 @@
             <p:ph type="title"/>
           </p:nvPr>
         </p:nvSpPr>
-        <p:spPr>
-          <a:xfrm>
-            <a:off x="838200" y="727514"/>
-            <a:ext cx="10515600" cy="656148"/>
-          </a:xfrm>
-        </p:spPr>
+        <p:spPr/>
         <p:txBody>
           <a:bodyPr>
             <a:normAutofit fontScale="90000"/>
@@ -51035,12 +52158,7 @@
             <p:ph type="title"/>
           </p:nvPr>
         </p:nvSpPr>
-        <p:spPr>
-          <a:xfrm>
-            <a:off x="838200" y="727514"/>
-            <a:ext cx="10515600" cy="656148"/>
-          </a:xfrm>
-        </p:spPr>
+        <p:spPr/>
         <p:txBody>
           <a:bodyPr>
             <a:normAutofit fontScale="90000"/>
@@ -51763,12 +52881,7 @@
             <p:ph type="title"/>
           </p:nvPr>
         </p:nvSpPr>
-        <p:spPr>
-          <a:xfrm>
-            <a:off x="838200" y="727514"/>
-            <a:ext cx="10515600" cy="656148"/>
-          </a:xfrm>
-        </p:spPr>
+        <p:spPr/>
         <p:txBody>
           <a:bodyPr>
             <a:normAutofit fontScale="90000"/>
@@ -53350,9 +54463,9 @@
               <p14:cNvContentPartPr/>
               <p14:nvPr/>
             </p14:nvContentPartPr>
-            <p14:xfrm>
-              <a:off x="3562920" y="4335015"/>
-              <a:ext cx="6692040" cy="1323360"/>
+            <p14:xfrm rot="21393182">
+              <a:off x="3576877" y="4317062"/>
+              <a:ext cx="6613467" cy="1086889"/>
             </p14:xfrm>
           </p:contentPart>
         </mc:Choice>
@@ -53376,9 +54489,9 @@
               </a:stretch>
             </p:blipFill>
             <p:spPr>
-              <a:xfrm>
-                <a:off x="3534480" y="4306935"/>
-                <a:ext cx="6748920" cy="1380240"/>
+              <a:xfrm rot="21393182">
+                <a:off x="3548439" y="4288621"/>
+                <a:ext cx="6669983" cy="1143772"/>
               </a:xfrm>
               <a:prstGeom prst="rect">
                 <a:avLst/>
@@ -53654,6 +54767,48 @@
           <a:p>
             <a:pPr algn="ctr"/>
             <a:endParaRPr lang="en-US" sz="2000"/>
+          </a:p>
+        </p:txBody>
+      </p:sp>
+      <p:sp>
+        <p:nvSpPr>
+          <p:cNvPr id="9" name="TextBox 8">
+            <a:extLst>
+              <a:ext uri="{FF2B5EF4-FFF2-40B4-BE49-F238E27FC236}">
+                <a16:creationId xmlns:a16="http://schemas.microsoft.com/office/drawing/2014/main" id="{E8742E8D-B2EE-0AAA-7940-2C66C3259FA1}"/>
+              </a:ext>
+            </a:extLst>
+          </p:cNvPr>
+          <p:cNvSpPr txBox="1"/>
+          <p:nvPr/>
+        </p:nvSpPr>
+        <p:spPr>
+          <a:xfrm>
+            <a:off x="9566955" y="4865753"/>
+            <a:ext cx="1011815" cy="369332"/>
+          </a:xfrm>
+          <a:prstGeom prst="rect">
+            <a:avLst/>
+          </a:prstGeom>
+          <a:noFill/>
+        </p:spPr>
+        <p:txBody>
+          <a:bodyPr wrap="none" rtlCol="0">
+            <a:spAutoFit/>
+          </a:bodyPr>
+          <a:lstStyle/>
+          <a:p>
+            <a:pPr algn="ctr"/>
+            <a:r>
+              <a:rPr lang="en-US" b="1" dirty="0">
+                <a:solidFill>
+                  <a:srgbClr val="00FF00"/>
+                </a:solidFill>
+                <a:latin typeface="Courier New" panose="02070309020205020404" pitchFamily="49" charset="0"/>
+                <a:cs typeface="Courier New" panose="02070309020205020404" pitchFamily="49" charset="0"/>
+              </a:rPr>
+              <a:t>return</a:t>
+            </a:r>
           </a:p>
         </p:txBody>
       </p:sp>
@@ -54523,6 +55678,48 @@
           </a:p>
         </p:txBody>
       </p:sp>
+      <p:sp>
+        <p:nvSpPr>
+          <p:cNvPr id="12" name="TextBox 11">
+            <a:extLst>
+              <a:ext uri="{FF2B5EF4-FFF2-40B4-BE49-F238E27FC236}">
+                <a16:creationId xmlns:a16="http://schemas.microsoft.com/office/drawing/2014/main" id="{2D0C3733-7B80-0376-3F77-3C090E83A082}"/>
+              </a:ext>
+            </a:extLst>
+          </p:cNvPr>
+          <p:cNvSpPr txBox="1"/>
+          <p:nvPr/>
+        </p:nvSpPr>
+        <p:spPr>
+          <a:xfrm>
+            <a:off x="9566955" y="4865753"/>
+            <a:ext cx="1011815" cy="369332"/>
+          </a:xfrm>
+          <a:prstGeom prst="rect">
+            <a:avLst/>
+          </a:prstGeom>
+          <a:noFill/>
+        </p:spPr>
+        <p:txBody>
+          <a:bodyPr wrap="none" rtlCol="0">
+            <a:spAutoFit/>
+          </a:bodyPr>
+          <a:lstStyle/>
+          <a:p>
+            <a:pPr algn="ctr"/>
+            <a:r>
+              <a:rPr lang="en-US" b="1" dirty="0">
+                <a:solidFill>
+                  <a:srgbClr val="00FF00"/>
+                </a:solidFill>
+                <a:latin typeface="Courier New" panose="02070309020205020404" pitchFamily="49" charset="0"/>
+                <a:cs typeface="Courier New" panose="02070309020205020404" pitchFamily="49" charset="0"/>
+              </a:rPr>
+              <a:t>return</a:t>
+            </a:r>
+          </a:p>
+        </p:txBody>
+      </p:sp>
     </p:spTree>
     <p:extLst>
       <p:ext uri="{BB962C8B-B14F-4D97-AF65-F5344CB8AC3E}">
@@ -54537,9 +55734,9 @@
 </file>
 
 <file path=ppt/theme/theme1.xml><?xml version="1.0" encoding="utf-8"?>
-<a:theme xmlns:a="http://schemas.openxmlformats.org/drawingml/2006/main" name="APS106_PPTX_Theme">
+<a:theme xmlns:a="http://schemas.openxmlformats.org/drawingml/2006/main" name="APS106_Theme">
   <a:themeElements>
-    <a:clrScheme name="Custom 5">
+    <a:clrScheme name="Custom 2">
       <a:dk1>
         <a:srgbClr val="444445"/>
       </a:dk1>
@@ -54553,13 +55750,13 @@
         <a:srgbClr val="3D464D"/>
       </a:lt2>
       <a:accent1>
-        <a:srgbClr val="017EE5"/>
+        <a:srgbClr val="0061FF"/>
       </a:accent1>
       <a:accent2>
-        <a:srgbClr val="017EE5"/>
+        <a:srgbClr val="0061FF"/>
       </a:accent2>
       <a:accent3>
-        <a:srgbClr val="017EE5"/>
+        <a:srgbClr val="0061FF"/>
       </a:accent3>
       <a:accent4>
         <a:srgbClr val="7B8994"/>
@@ -54568,7 +55765,7 @@
         <a:srgbClr val="7B8994"/>
       </a:accent5>
       <a:accent6>
-        <a:srgbClr val="FF9933"/>
+        <a:srgbClr val="F7B41A"/>
       </a:accent6>
       <a:hlink>
         <a:srgbClr val="3D464D"/>
@@ -54731,7 +55928,7 @@
   <a:extraClrSchemeLst/>
   <a:extLst>
     <a:ext uri="{05A4C25C-085E-4340-85A3-A5531E510DB2}">
-      <thm15:themeFamily xmlns:thm15="http://schemas.microsoft.com/office/thememl/2012/main" name="APS106_PPTX_Theme" id="{D71ABBE9-7E6D-4E30-BD8F-2EB61EB32A2D}" vid="{056030BA-02C6-4208-ACCE-F1B550CC0AA4}"/>
+      <thm15:themeFamily xmlns:thm15="http://schemas.microsoft.com/office/thememl/2012/main" name="APS106_Theme" id="{3BEEB87C-8A6C-443F-995D-4A4893CCEBD8}" vid="{9B7A7CDB-8752-4A8C-8C1A-92E8A921146E}"/>
     </a:ext>
   </a:extLst>
 </a:theme>

--- a/lectures/week4/lecture1/slides/week4_lecture1.pptx
+++ b/lectures/week4/lecture1/slides/week4_lecture1.pptx
@@ -17258,6 +17258,121 @@
           </a:p>
         </p:txBody>
       </p:sp>
+      <p:sp>
+        <p:nvSpPr>
+          <p:cNvPr id="10" name="TextBox 9">
+            <a:extLst>
+              <a:ext uri="{FF2B5EF4-FFF2-40B4-BE49-F238E27FC236}">
+                <a16:creationId xmlns:a16="http://schemas.microsoft.com/office/drawing/2014/main" id="{6AD37F08-1DAD-2434-78DA-CBC136E11A0D}"/>
+              </a:ext>
+            </a:extLst>
+          </p:cNvPr>
+          <p:cNvSpPr txBox="1"/>
+          <p:nvPr/>
+        </p:nvSpPr>
+        <p:spPr>
+          <a:xfrm>
+            <a:off x="5369499" y="4286127"/>
+            <a:ext cx="2760455" cy="830997"/>
+          </a:xfrm>
+          <a:prstGeom prst="rect">
+            <a:avLst/>
+          </a:prstGeom>
+          <a:noFill/>
+        </p:spPr>
+        <p:txBody>
+          <a:bodyPr wrap="square" rtlCol="0">
+            <a:spAutoFit/>
+          </a:bodyPr>
+          <a:lstStyle/>
+          <a:p>
+            <a:r>
+              <a:rPr lang="en-US" sz="1600" dirty="0">
+                <a:solidFill>
+                  <a:srgbClr val="FFFFFF"/>
+                </a:solidFill>
+              </a:rPr>
+              <a:t>If there is no return statement</a:t>
+            </a:r>
+            <a:r>
+              <a:rPr lang="en-US" sz="1600" dirty="0">
+                <a:solidFill>
+                  <a:srgbClr val="FF0066"/>
+                </a:solidFill>
+              </a:rPr>
+              <a:t>,</a:t>
+            </a:r>
+            <a:r>
+              <a:rPr lang="en-US" sz="1600" dirty="0">
+                <a:solidFill>
+                  <a:srgbClr val="FFFFFF"/>
+                </a:solidFill>
+              </a:rPr>
+              <a:t> Python adds one and returns None</a:t>
+            </a:r>
+            <a:r>
+              <a:rPr lang="en-US" sz="1600" dirty="0">
+                <a:solidFill>
+                  <a:srgbClr val="FF0066"/>
+                </a:solidFill>
+              </a:rPr>
+              <a:t>.</a:t>
+            </a:r>
+          </a:p>
+        </p:txBody>
+      </p:sp>
+      <p:sp>
+        <p:nvSpPr>
+          <p:cNvPr id="11" name="Arrow: Right 10">
+            <a:extLst>
+              <a:ext uri="{FF2B5EF4-FFF2-40B4-BE49-F238E27FC236}">
+                <a16:creationId xmlns:a16="http://schemas.microsoft.com/office/drawing/2014/main" id="{02D008F9-4000-8EB8-6B14-A9004CD3D694}"/>
+              </a:ext>
+            </a:extLst>
+          </p:cNvPr>
+          <p:cNvSpPr/>
+          <p:nvPr/>
+        </p:nvSpPr>
+        <p:spPr>
+          <a:xfrm rot="16200000">
+            <a:off x="5420231" y="4024788"/>
+            <a:ext cx="242277" cy="250092"/>
+          </a:xfrm>
+          <a:prstGeom prst="rightArrow">
+            <a:avLst/>
+          </a:prstGeom>
+          <a:solidFill>
+            <a:srgbClr val="FF0066"/>
+          </a:solidFill>
+          <a:ln>
+            <a:noFill/>
+          </a:ln>
+        </p:spPr>
+        <p:style>
+          <a:lnRef idx="2">
+            <a:schemeClr val="accent1">
+              <a:shade val="50000"/>
+            </a:schemeClr>
+          </a:lnRef>
+          <a:fillRef idx="1">
+            <a:schemeClr val="accent1"/>
+          </a:fillRef>
+          <a:effectRef idx="0">
+            <a:schemeClr val="accent1"/>
+          </a:effectRef>
+          <a:fontRef idx="minor">
+            <a:schemeClr val="lt1"/>
+          </a:fontRef>
+        </p:style>
+        <p:txBody>
+          <a:bodyPr rtlCol="0" anchor="ctr"/>
+          <a:lstStyle/>
+          <a:p>
+            <a:pPr algn="ctr"/>
+            <a:endParaRPr lang="en-US"/>
+          </a:p>
+        </p:txBody>
+      </p:sp>
     </p:spTree>
     <p:extLst>
       <p:ext uri="{BB962C8B-B14F-4D97-AF65-F5344CB8AC3E}">
@@ -18366,6 +18481,121 @@
               </a:rPr>
               <a:t>)</a:t>
             </a:r>
+          </a:p>
+        </p:txBody>
+      </p:sp>
+      <p:sp>
+        <p:nvSpPr>
+          <p:cNvPr id="3" name="TextBox 2">
+            <a:extLst>
+              <a:ext uri="{FF2B5EF4-FFF2-40B4-BE49-F238E27FC236}">
+                <a16:creationId xmlns:a16="http://schemas.microsoft.com/office/drawing/2014/main" id="{D21D0EB7-A27F-2E1A-59B5-82A469FE7130}"/>
+              </a:ext>
+            </a:extLst>
+          </p:cNvPr>
+          <p:cNvSpPr txBox="1"/>
+          <p:nvPr/>
+        </p:nvSpPr>
+        <p:spPr>
+          <a:xfrm>
+            <a:off x="5369499" y="4286127"/>
+            <a:ext cx="2760455" cy="830997"/>
+          </a:xfrm>
+          <a:prstGeom prst="rect">
+            <a:avLst/>
+          </a:prstGeom>
+          <a:noFill/>
+        </p:spPr>
+        <p:txBody>
+          <a:bodyPr wrap="square" rtlCol="0">
+            <a:spAutoFit/>
+          </a:bodyPr>
+          <a:lstStyle/>
+          <a:p>
+            <a:r>
+              <a:rPr lang="en-US" sz="1600" dirty="0">
+                <a:solidFill>
+                  <a:srgbClr val="FFFFFF"/>
+                </a:solidFill>
+              </a:rPr>
+              <a:t>If there is no return statement</a:t>
+            </a:r>
+            <a:r>
+              <a:rPr lang="en-US" sz="1600" dirty="0">
+                <a:solidFill>
+                  <a:srgbClr val="FF0066"/>
+                </a:solidFill>
+              </a:rPr>
+              <a:t>,</a:t>
+            </a:r>
+            <a:r>
+              <a:rPr lang="en-US" sz="1600" dirty="0">
+                <a:solidFill>
+                  <a:srgbClr val="FFFFFF"/>
+                </a:solidFill>
+              </a:rPr>
+              <a:t> Python adds one and returns None</a:t>
+            </a:r>
+            <a:r>
+              <a:rPr lang="en-US" sz="1600" dirty="0">
+                <a:solidFill>
+                  <a:srgbClr val="FF0066"/>
+                </a:solidFill>
+              </a:rPr>
+              <a:t>.</a:t>
+            </a:r>
+          </a:p>
+        </p:txBody>
+      </p:sp>
+      <p:sp>
+        <p:nvSpPr>
+          <p:cNvPr id="12" name="Arrow: Right 11">
+            <a:extLst>
+              <a:ext uri="{FF2B5EF4-FFF2-40B4-BE49-F238E27FC236}">
+                <a16:creationId xmlns:a16="http://schemas.microsoft.com/office/drawing/2014/main" id="{7D1A4292-088D-6BAB-2EF9-06773345326F}"/>
+              </a:ext>
+            </a:extLst>
+          </p:cNvPr>
+          <p:cNvSpPr/>
+          <p:nvPr/>
+        </p:nvSpPr>
+        <p:spPr>
+          <a:xfrm rot="16200000">
+            <a:off x="5420231" y="4024788"/>
+            <a:ext cx="242277" cy="250092"/>
+          </a:xfrm>
+          <a:prstGeom prst="rightArrow">
+            <a:avLst/>
+          </a:prstGeom>
+          <a:solidFill>
+            <a:srgbClr val="FF0066"/>
+          </a:solidFill>
+          <a:ln>
+            <a:noFill/>
+          </a:ln>
+        </p:spPr>
+        <p:style>
+          <a:lnRef idx="2">
+            <a:schemeClr val="accent1">
+              <a:shade val="50000"/>
+            </a:schemeClr>
+          </a:lnRef>
+          <a:fillRef idx="1">
+            <a:schemeClr val="accent1"/>
+          </a:fillRef>
+          <a:effectRef idx="0">
+            <a:schemeClr val="accent1"/>
+          </a:effectRef>
+          <a:fontRef idx="minor">
+            <a:schemeClr val="lt1"/>
+          </a:fontRef>
+        </p:style>
+        <p:txBody>
+          <a:bodyPr rtlCol="0" anchor="ctr"/>
+          <a:lstStyle/>
+          <a:p>
+            <a:pPr algn="ctr"/>
+            <a:endParaRPr lang="en-US"/>
           </a:p>
         </p:txBody>
       </p:sp>
